--- a/presentation/gmm-2012-presentation.pptx
+++ b/presentation/gmm-2012-presentation.pptx
@@ -9,21 +9,21 @@
   </p:notesMasterIdLst>
   <p:sldIdLst>
     <p:sldId id="256" r:id="rId2"/>
-    <p:sldId id="257" r:id="rId3"/>
-    <p:sldId id="258" r:id="rId4"/>
-    <p:sldId id="259" r:id="rId5"/>
-    <p:sldId id="260" r:id="rId6"/>
-    <p:sldId id="261" r:id="rId7"/>
-    <p:sldId id="262" r:id="rId8"/>
-    <p:sldId id="263" r:id="rId9"/>
-    <p:sldId id="265" r:id="rId10"/>
-    <p:sldId id="264" r:id="rId11"/>
-    <p:sldId id="266" r:id="rId12"/>
+    <p:sldId id="258" r:id="rId3"/>
+    <p:sldId id="259" r:id="rId4"/>
+    <p:sldId id="260" r:id="rId5"/>
+    <p:sldId id="261" r:id="rId6"/>
+    <p:sldId id="262" r:id="rId7"/>
+    <p:sldId id="263" r:id="rId8"/>
+    <p:sldId id="265" r:id="rId9"/>
+    <p:sldId id="264" r:id="rId10"/>
+    <p:sldId id="275" r:id="rId11"/>
+    <p:sldId id="276" r:id="rId12"/>
     <p:sldId id="267" r:id="rId13"/>
-    <p:sldId id="268" r:id="rId14"/>
-    <p:sldId id="273" r:id="rId15"/>
-    <p:sldId id="269" r:id="rId16"/>
-    <p:sldId id="272" r:id="rId17"/>
+    <p:sldId id="266" r:id="rId14"/>
+    <p:sldId id="268" r:id="rId15"/>
+    <p:sldId id="273" r:id="rId16"/>
+    <p:sldId id="269" r:id="rId17"/>
     <p:sldId id="271" r:id="rId18"/>
     <p:sldId id="270" r:id="rId19"/>
   </p:sldIdLst>
@@ -1706,8 +1706,8 @@
           <c:yMode val="edge"/>
           <c:x val="0.830221945222145"/>
           <c:y val="0.0581950512260817"/>
-          <c:w val="0.169778356217945"/>
-          <c:h val="0.362239509905621"/>
+          <c:w val="0.149192194671593"/>
+          <c:h val="0.339197951694718"/>
         </c:manualLayout>
       </c:layout>
       <c:overlay val="0"/>
@@ -2065,7 +2065,7 @@
   <p:cSld>
     <p:spTree>
       <p:nvGrpSpPr>
-        <p:cNvPr id="1" name="Shape 72"/>
+        <p:cNvPr id="1" name="Shape 89"/>
         <p:cNvGrpSpPr/>
         <p:nvPr/>
       </p:nvGrpSpPr>
@@ -2079,7 +2079,7 @@
       </p:grpSpPr>
       <p:sp>
         <p:nvSpPr>
-          <p:cNvPr id="73" name="Shape 73"/>
+          <p:cNvPr id="90" name="Shape 90"/>
           <p:cNvSpPr>
             <a:spLocks noGrp="1" noRot="1" noChangeAspect="1"/>
           </p:cNvSpPr>
@@ -2120,7 +2120,7 @@
       </p:sp>
       <p:sp>
         <p:nvSpPr>
-          <p:cNvPr id="74" name="Shape 74"/>
+          <p:cNvPr id="91" name="Shape 91"/>
           <p:cNvSpPr txBox="1">
             <a:spLocks noGrp="1"/>
           </p:cNvSpPr>
@@ -2255,7 +2255,7 @@
   <p:cSld>
     <p:spTree>
       <p:nvGrpSpPr>
-        <p:cNvPr id="1" name="Shape 89"/>
+        <p:cNvPr id="1" name="Shape 95"/>
         <p:cNvGrpSpPr/>
         <p:nvPr/>
       </p:nvGrpSpPr>
@@ -2269,7 +2269,7 @@
       </p:grpSpPr>
       <p:sp>
         <p:nvSpPr>
-          <p:cNvPr id="90" name="Shape 90"/>
+          <p:cNvPr id="96" name="Shape 96"/>
           <p:cNvSpPr>
             <a:spLocks noGrp="1" noRot="1" noChangeAspect="1"/>
           </p:cNvSpPr>
@@ -2310,7 +2310,7 @@
       </p:sp>
       <p:sp>
         <p:nvSpPr>
-          <p:cNvPr id="91" name="Shape 91"/>
+          <p:cNvPr id="97" name="Shape 97"/>
           <p:cNvSpPr txBox="1">
             <a:spLocks noGrp="1"/>
           </p:cNvSpPr>
@@ -2350,7 +2350,7 @@
   <p:cSld>
     <p:spTree>
       <p:nvGrpSpPr>
-        <p:cNvPr id="1" name="Shape 95"/>
+        <p:cNvPr id="1" name="Shape 100"/>
         <p:cNvGrpSpPr/>
         <p:nvPr/>
       </p:nvGrpSpPr>
@@ -2364,7 +2364,7 @@
       </p:grpSpPr>
       <p:sp>
         <p:nvSpPr>
-          <p:cNvPr id="96" name="Shape 96"/>
+          <p:cNvPr id="101" name="Shape 101"/>
           <p:cNvSpPr>
             <a:spLocks noGrp="1" noRot="1" noChangeAspect="1"/>
           </p:cNvSpPr>
@@ -2405,7 +2405,7 @@
       </p:sp>
       <p:sp>
         <p:nvSpPr>
-          <p:cNvPr id="97" name="Shape 97"/>
+          <p:cNvPr id="102" name="Shape 102"/>
           <p:cNvSpPr txBox="1">
             <a:spLocks noGrp="1"/>
           </p:cNvSpPr>
@@ -2445,7 +2445,7 @@
   <p:cSld>
     <p:spTree>
       <p:nvGrpSpPr>
-        <p:cNvPr id="1" name="Shape 100"/>
+        <p:cNvPr id="1" name="Shape 106"/>
         <p:cNvGrpSpPr/>
         <p:nvPr/>
       </p:nvGrpSpPr>
@@ -2459,7 +2459,7 @@
       </p:grpSpPr>
       <p:sp>
         <p:nvSpPr>
-          <p:cNvPr id="101" name="Shape 101"/>
+          <p:cNvPr id="107" name="Shape 107"/>
           <p:cNvSpPr>
             <a:spLocks noGrp="1" noRot="1" noChangeAspect="1"/>
           </p:cNvSpPr>
@@ -2500,7 +2500,7 @@
       </p:sp>
       <p:sp>
         <p:nvSpPr>
-          <p:cNvPr id="102" name="Shape 102"/>
+          <p:cNvPr id="108" name="Shape 108"/>
           <p:cNvSpPr txBox="1">
             <a:spLocks noGrp="1"/>
           </p:cNvSpPr>
@@ -2535,12 +2535,12 @@
 </p:notes>
 </file>
 
-<file path=ppt/notesSlides/notesSlide15.xml><?xml version="1.0" encoding="utf-8"?>
+<file path=ppt/notesSlides/notesSlide2.xml><?xml version="1.0" encoding="utf-8"?>
 <p:notes xmlns:a="http://schemas.openxmlformats.org/drawingml/2006/main" xmlns:r="http://schemas.openxmlformats.org/officeDocument/2006/relationships" xmlns:p="http://schemas.openxmlformats.org/presentationml/2006/main" showMasterSp="0" showMasterPhAnim="0">
   <p:cSld>
     <p:spTree>
       <p:nvGrpSpPr>
-        <p:cNvPr id="1" name="Shape 106"/>
+        <p:cNvPr id="1" name="Shape 37"/>
         <p:cNvGrpSpPr/>
         <p:nvPr/>
       </p:nvGrpSpPr>
@@ -2554,7 +2554,7 @@
       </p:grpSpPr>
       <p:sp>
         <p:nvSpPr>
-          <p:cNvPr id="107" name="Shape 107"/>
+          <p:cNvPr id="38" name="Shape 38"/>
           <p:cNvSpPr>
             <a:spLocks noGrp="1" noRot="1" noChangeAspect="1"/>
           </p:cNvSpPr>
@@ -2595,7 +2595,7 @@
       </p:sp>
       <p:sp>
         <p:nvSpPr>
-          <p:cNvPr id="108" name="Shape 108"/>
+          <p:cNvPr id="39" name="Shape 39"/>
           <p:cNvSpPr txBox="1">
             <a:spLocks noGrp="1"/>
           </p:cNvSpPr>
@@ -2630,12 +2630,12 @@
 </p:notes>
 </file>
 
-<file path=ppt/notesSlides/notesSlide2.xml><?xml version="1.0" encoding="utf-8"?>
+<file path=ppt/notesSlides/notesSlide3.xml><?xml version="1.0" encoding="utf-8"?>
 <p:notes xmlns:a="http://schemas.openxmlformats.org/drawingml/2006/main" xmlns:r="http://schemas.openxmlformats.org/officeDocument/2006/relationships" xmlns:p="http://schemas.openxmlformats.org/presentationml/2006/main" showMasterSp="0" showMasterPhAnim="0">
   <p:cSld>
     <p:spTree>
       <p:nvGrpSpPr>
-        <p:cNvPr id="1" name="Shape 31"/>
+        <p:cNvPr id="1" name="Shape 43"/>
         <p:cNvGrpSpPr/>
         <p:nvPr/>
       </p:nvGrpSpPr>
@@ -2649,7 +2649,7 @@
       </p:grpSpPr>
       <p:sp>
         <p:nvSpPr>
-          <p:cNvPr id="32" name="Shape 32"/>
+          <p:cNvPr id="44" name="Shape 44"/>
           <p:cNvSpPr>
             <a:spLocks noGrp="1" noRot="1" noChangeAspect="1"/>
           </p:cNvSpPr>
@@ -2690,7 +2690,7 @@
       </p:sp>
       <p:sp>
         <p:nvSpPr>
-          <p:cNvPr id="33" name="Shape 33"/>
+          <p:cNvPr id="45" name="Shape 45"/>
           <p:cNvSpPr txBox="1">
             <a:spLocks noGrp="1"/>
           </p:cNvSpPr>
@@ -2725,12 +2725,12 @@
 </p:notes>
 </file>
 
-<file path=ppt/notesSlides/notesSlide3.xml><?xml version="1.0" encoding="utf-8"?>
+<file path=ppt/notesSlides/notesSlide4.xml><?xml version="1.0" encoding="utf-8"?>
 <p:notes xmlns:a="http://schemas.openxmlformats.org/drawingml/2006/main" xmlns:r="http://schemas.openxmlformats.org/officeDocument/2006/relationships" xmlns:p="http://schemas.openxmlformats.org/presentationml/2006/main" showMasterSp="0" showMasterPhAnim="0">
   <p:cSld>
     <p:spTree>
       <p:nvGrpSpPr>
-        <p:cNvPr id="1" name="Shape 37"/>
+        <p:cNvPr id="1" name="Shape 49"/>
         <p:cNvGrpSpPr/>
         <p:nvPr/>
       </p:nvGrpSpPr>
@@ -2744,7 +2744,7 @@
       </p:grpSpPr>
       <p:sp>
         <p:nvSpPr>
-          <p:cNvPr id="38" name="Shape 38"/>
+          <p:cNvPr id="50" name="Shape 50"/>
           <p:cNvSpPr>
             <a:spLocks noGrp="1" noRot="1" noChangeAspect="1"/>
           </p:cNvSpPr>
@@ -2785,7 +2785,7 @@
       </p:sp>
       <p:sp>
         <p:nvSpPr>
-          <p:cNvPr id="39" name="Shape 39"/>
+          <p:cNvPr id="51" name="Shape 51"/>
           <p:cNvSpPr txBox="1">
             <a:spLocks noGrp="1"/>
           </p:cNvSpPr>
@@ -2820,12 +2820,12 @@
 </p:notes>
 </file>
 
-<file path=ppt/notesSlides/notesSlide4.xml><?xml version="1.0" encoding="utf-8"?>
+<file path=ppt/notesSlides/notesSlide5.xml><?xml version="1.0" encoding="utf-8"?>
 <p:notes xmlns:a="http://schemas.openxmlformats.org/drawingml/2006/main" xmlns:r="http://schemas.openxmlformats.org/officeDocument/2006/relationships" xmlns:p="http://schemas.openxmlformats.org/presentationml/2006/main" showMasterSp="0" showMasterPhAnim="0">
   <p:cSld>
     <p:spTree>
       <p:nvGrpSpPr>
-        <p:cNvPr id="1" name="Shape 43"/>
+        <p:cNvPr id="1" name="Shape 55"/>
         <p:cNvGrpSpPr/>
         <p:nvPr/>
       </p:nvGrpSpPr>
@@ -2839,7 +2839,7 @@
       </p:grpSpPr>
       <p:sp>
         <p:nvSpPr>
-          <p:cNvPr id="44" name="Shape 44"/>
+          <p:cNvPr id="56" name="Shape 56"/>
           <p:cNvSpPr>
             <a:spLocks noGrp="1" noRot="1" noChangeAspect="1"/>
           </p:cNvSpPr>
@@ -2880,7 +2880,7 @@
       </p:sp>
       <p:sp>
         <p:nvSpPr>
-          <p:cNvPr id="45" name="Shape 45"/>
+          <p:cNvPr id="57" name="Shape 57"/>
           <p:cNvSpPr txBox="1">
             <a:spLocks noGrp="1"/>
           </p:cNvSpPr>
@@ -2915,12 +2915,12 @@
 </p:notes>
 </file>
 
-<file path=ppt/notesSlides/notesSlide5.xml><?xml version="1.0" encoding="utf-8"?>
+<file path=ppt/notesSlides/notesSlide6.xml><?xml version="1.0" encoding="utf-8"?>
 <p:notes xmlns:a="http://schemas.openxmlformats.org/drawingml/2006/main" xmlns:r="http://schemas.openxmlformats.org/officeDocument/2006/relationships" xmlns:p="http://schemas.openxmlformats.org/presentationml/2006/main" showMasterSp="0" showMasterPhAnim="0">
   <p:cSld>
     <p:spTree>
       <p:nvGrpSpPr>
-        <p:cNvPr id="1" name="Shape 49"/>
+        <p:cNvPr id="1" name="Shape 61"/>
         <p:cNvGrpSpPr/>
         <p:nvPr/>
       </p:nvGrpSpPr>
@@ -2934,7 +2934,7 @@
       </p:grpSpPr>
       <p:sp>
         <p:nvSpPr>
-          <p:cNvPr id="50" name="Shape 50"/>
+          <p:cNvPr id="62" name="Shape 62"/>
           <p:cNvSpPr>
             <a:spLocks noGrp="1" noRot="1" noChangeAspect="1"/>
           </p:cNvSpPr>
@@ -2975,7 +2975,7 @@
       </p:sp>
       <p:sp>
         <p:nvSpPr>
-          <p:cNvPr id="51" name="Shape 51"/>
+          <p:cNvPr id="63" name="Shape 63"/>
           <p:cNvSpPr txBox="1">
             <a:spLocks noGrp="1"/>
           </p:cNvSpPr>
@@ -3010,12 +3010,12 @@
 </p:notes>
 </file>
 
-<file path=ppt/notesSlides/notesSlide6.xml><?xml version="1.0" encoding="utf-8"?>
+<file path=ppt/notesSlides/notesSlide7.xml><?xml version="1.0" encoding="utf-8"?>
 <p:notes xmlns:a="http://schemas.openxmlformats.org/drawingml/2006/main" xmlns:r="http://schemas.openxmlformats.org/officeDocument/2006/relationships" xmlns:p="http://schemas.openxmlformats.org/presentationml/2006/main" showMasterSp="0" showMasterPhAnim="0">
   <p:cSld>
     <p:spTree>
       <p:nvGrpSpPr>
-        <p:cNvPr id="1" name="Shape 55"/>
+        <p:cNvPr id="1" name="Shape 66"/>
         <p:cNvGrpSpPr/>
         <p:nvPr/>
       </p:nvGrpSpPr>
@@ -3029,7 +3029,7 @@
       </p:grpSpPr>
       <p:sp>
         <p:nvSpPr>
-          <p:cNvPr id="56" name="Shape 56"/>
+          <p:cNvPr id="67" name="Shape 67"/>
           <p:cNvSpPr>
             <a:spLocks noGrp="1" noRot="1" noChangeAspect="1"/>
           </p:cNvSpPr>
@@ -3070,7 +3070,7 @@
       </p:sp>
       <p:sp>
         <p:nvSpPr>
-          <p:cNvPr id="57" name="Shape 57"/>
+          <p:cNvPr id="68" name="Shape 68"/>
           <p:cNvSpPr txBox="1">
             <a:spLocks noGrp="1"/>
           </p:cNvSpPr>
@@ -3105,12 +3105,12 @@
 </p:notes>
 </file>
 
-<file path=ppt/notesSlides/notesSlide7.xml><?xml version="1.0" encoding="utf-8"?>
+<file path=ppt/notesSlides/notesSlide8.xml><?xml version="1.0" encoding="utf-8"?>
 <p:notes xmlns:a="http://schemas.openxmlformats.org/drawingml/2006/main" xmlns:r="http://schemas.openxmlformats.org/officeDocument/2006/relationships" xmlns:p="http://schemas.openxmlformats.org/presentationml/2006/main" showMasterSp="0" showMasterPhAnim="0">
   <p:cSld>
     <p:spTree>
       <p:nvGrpSpPr>
-        <p:cNvPr id="1" name="Shape 61"/>
+        <p:cNvPr id="1" name="Shape 78"/>
         <p:cNvGrpSpPr/>
         <p:nvPr/>
       </p:nvGrpSpPr>
@@ -3124,7 +3124,7 @@
       </p:grpSpPr>
       <p:sp>
         <p:nvSpPr>
-          <p:cNvPr id="62" name="Shape 62"/>
+          <p:cNvPr id="79" name="Shape 79"/>
           <p:cNvSpPr>
             <a:spLocks noGrp="1" noRot="1" noChangeAspect="1"/>
           </p:cNvSpPr>
@@ -3165,7 +3165,7 @@
       </p:sp>
       <p:sp>
         <p:nvSpPr>
-          <p:cNvPr id="63" name="Shape 63"/>
+          <p:cNvPr id="80" name="Shape 80"/>
           <p:cNvSpPr txBox="1">
             <a:spLocks noGrp="1"/>
           </p:cNvSpPr>
@@ -3200,12 +3200,12 @@
 </p:notes>
 </file>
 
-<file path=ppt/notesSlides/notesSlide8.xml><?xml version="1.0" encoding="utf-8"?>
+<file path=ppt/notesSlides/notesSlide9.xml><?xml version="1.0" encoding="utf-8"?>
 <p:notes xmlns:a="http://schemas.openxmlformats.org/drawingml/2006/main" xmlns:r="http://schemas.openxmlformats.org/officeDocument/2006/relationships" xmlns:p="http://schemas.openxmlformats.org/presentationml/2006/main" showMasterSp="0" showMasterPhAnim="0">
   <p:cSld>
     <p:spTree>
       <p:nvGrpSpPr>
-        <p:cNvPr id="1" name="Shape 66"/>
+        <p:cNvPr id="1" name="Shape 72"/>
         <p:cNvGrpSpPr/>
         <p:nvPr/>
       </p:nvGrpSpPr>
@@ -3219,7 +3219,7 @@
       </p:grpSpPr>
       <p:sp>
         <p:nvSpPr>
-          <p:cNvPr id="67" name="Shape 67"/>
+          <p:cNvPr id="73" name="Shape 73"/>
           <p:cNvSpPr>
             <a:spLocks noGrp="1" noRot="1" noChangeAspect="1"/>
           </p:cNvSpPr>
@@ -3260,102 +3260,7 @@
       </p:sp>
       <p:sp>
         <p:nvSpPr>
-          <p:cNvPr id="68" name="Shape 68"/>
-          <p:cNvSpPr txBox="1">
-            <a:spLocks noGrp="1"/>
-          </p:cNvSpPr>
-          <p:nvPr>
-            <p:ph type="body" idx="1"/>
-          </p:nvPr>
-        </p:nvSpPr>
-        <p:spPr>
-          <a:xfrm>
-            <a:off x="685800" y="4343400"/>
-            <a:ext cx="5486399" cy="4114800"/>
-          </a:xfrm>
-          <a:prstGeom prst="rect">
-            <a:avLst/>
-          </a:prstGeom>
-        </p:spPr>
-        <p:txBody>
-          <a:bodyPr lIns="91425" tIns="91425" rIns="91425" bIns="91425" anchor="t" anchorCtr="0">
-            <a:spAutoFit/>
-          </a:bodyPr>
-          <a:lstStyle/>
-          <a:p>
-            <a:endParaRPr/>
-          </a:p>
-        </p:txBody>
-      </p:sp>
-    </p:spTree>
-  </p:cSld>
-  <p:clrMapOvr>
-    <a:masterClrMapping/>
-  </p:clrMapOvr>
-</p:notes>
-</file>
-
-<file path=ppt/notesSlides/notesSlide9.xml><?xml version="1.0" encoding="utf-8"?>
-<p:notes xmlns:a="http://schemas.openxmlformats.org/drawingml/2006/main" xmlns:r="http://schemas.openxmlformats.org/officeDocument/2006/relationships" xmlns:p="http://schemas.openxmlformats.org/presentationml/2006/main" showMasterSp="0" showMasterPhAnim="0">
-  <p:cSld>
-    <p:spTree>
-      <p:nvGrpSpPr>
-        <p:cNvPr id="1" name="Shape 78"/>
-        <p:cNvGrpSpPr/>
-        <p:nvPr/>
-      </p:nvGrpSpPr>
-      <p:grpSpPr>
-        <a:xfrm>
-          <a:off x="0" y="0"/>
-          <a:ext cx="0" cy="0"/>
-          <a:chOff x="0" y="0"/>
-          <a:chExt cx="0" cy="0"/>
-        </a:xfrm>
-      </p:grpSpPr>
-      <p:sp>
-        <p:nvSpPr>
-          <p:cNvPr id="79" name="Shape 79"/>
-          <p:cNvSpPr>
-            <a:spLocks noGrp="1" noRot="1" noChangeAspect="1"/>
-          </p:cNvSpPr>
-          <p:nvPr>
-            <p:ph type="sldImg" idx="2"/>
-          </p:nvPr>
-        </p:nvSpPr>
-        <p:spPr>
-          <a:xfrm>
-            <a:off x="1143000" y="685800"/>
-            <a:ext cx="4572000" cy="3429000"/>
-          </a:xfrm>
-          <a:custGeom>
-            <a:avLst/>
-            <a:gdLst/>
-            <a:ahLst/>
-            <a:cxnLst/>
-            <a:rect l="0" t="0" r="0" b="0"/>
-            <a:pathLst>
-              <a:path w="120000" h="120000" extrusionOk="0">
-                <a:moveTo>
-                  <a:pt x="0" y="0"/>
-                </a:moveTo>
-                <a:lnTo>
-                  <a:pt x="120000" y="0"/>
-                </a:lnTo>
-                <a:lnTo>
-                  <a:pt x="120000" y="120000"/>
-                </a:lnTo>
-                <a:lnTo>
-                  <a:pt x="0" y="120000"/>
-                </a:lnTo>
-                <a:close/>
-              </a:path>
-            </a:pathLst>
-          </a:custGeom>
-        </p:spPr>
-      </p:sp>
-      <p:sp>
-        <p:nvSpPr>
-          <p:cNvPr id="80" name="Shape 80"/>
+          <p:cNvPr id="74" name="Shape 74"/>
           <p:cNvSpPr txBox="1">
             <a:spLocks noGrp="1"/>
           </p:cNvSpPr>
@@ -10418,7 +10323,7 @@
   <p:cSld>
     <p:spTree>
       <p:nvGrpSpPr>
-        <p:cNvPr id="1" name="Shape 69"/>
+        <p:cNvPr id="1" name=""/>
         <p:cNvGrpSpPr/>
         <p:nvPr/>
       </p:nvGrpSpPr>
@@ -10432,107 +10337,133 @@
       </p:grpSpPr>
       <p:sp>
         <p:nvSpPr>
-          <p:cNvPr id="70" name="Shape 70"/>
-          <p:cNvSpPr txBox="1">
+          <p:cNvPr id="2" name="Title 1"/>
+          <p:cNvSpPr>
             <a:spLocks noGrp="1"/>
           </p:cNvSpPr>
           <p:nvPr>
             <p:ph type="title"/>
           </p:nvPr>
         </p:nvSpPr>
-        <p:spPr>
+        <p:spPr/>
+        <p:txBody>
+          <a:bodyPr/>
+          <a:lstStyle/>
+          <a:p>
+            <a:r>
+              <a:rPr lang="en-US" dirty="0" smtClean="0"/>
+              <a:t>LP Example</a:t>
+            </a:r>
+            <a:endParaRPr lang="en-US" dirty="0"/>
+          </a:p>
+        </p:txBody>
+      </p:sp>
+      <p:pic>
+        <p:nvPicPr>
+          <p:cNvPr id="4" name="Picture 3" descr="Screen Shot 2012-12-06 at 10.31.00 AM.png"/>
+          <p:cNvPicPr>
+            <a:picLocks noChangeAspect="1"/>
+          </p:cNvPicPr>
+          <p:nvPr/>
+        </p:nvPicPr>
+        <p:blipFill>
+          <a:blip r:embed="rId2">
+            <a:extLst>
+              <a:ext uri="{28A0092B-C50C-407E-A947-70E740481C1C}">
+                <a14:useLocalDpi xmlns:a14="http://schemas.microsoft.com/office/drawing/2010/main" val="0"/>
+              </a:ext>
+            </a:extLst>
+          </a:blip>
+          <a:stretch>
+            <a:fillRect/>
+          </a:stretch>
+        </p:blipFill>
+        <p:spPr>
+          <a:xfrm>
+            <a:off x="1444336" y="1740481"/>
+            <a:ext cx="6070600" cy="4254500"/>
+          </a:xfrm>
           <a:prstGeom prst="rect">
             <a:avLst/>
           </a:prstGeom>
         </p:spPr>
-        <p:txBody>
-          <a:bodyPr lIns="91425" tIns="91425" rIns="91425" bIns="91425" anchor="b" anchorCtr="0">
+      </p:pic>
+      <p:sp>
+        <p:nvSpPr>
+          <p:cNvPr id="5" name="TextBox 4"/>
+          <p:cNvSpPr txBox="1"/>
+          <p:nvPr/>
+        </p:nvSpPr>
+        <p:spPr>
+          <a:xfrm>
+            <a:off x="173183" y="6373094"/>
+            <a:ext cx="9161482" cy="307777"/>
+          </a:xfrm>
+          <a:prstGeom prst="rect">
+            <a:avLst/>
+          </a:prstGeom>
+          <a:noFill/>
+        </p:spPr>
+        <p:txBody>
+          <a:bodyPr wrap="none" rtlCol="0">
             <a:spAutoFit/>
           </a:bodyPr>
           <a:lstStyle/>
           <a:p>
-            <a:pPr>
-              <a:buNone/>
-            </a:pPr>
-            <a:r>
-              <a:rPr lang="en"/>
-              <a:t>Label Propagation</a:t>
-            </a:r>
-          </a:p>
-        </p:txBody>
-      </p:sp>
-      <p:sp>
-        <p:nvSpPr>
-          <p:cNvPr id="71" name="Shape 71"/>
-          <p:cNvSpPr txBox="1">
-            <a:spLocks noGrp="1"/>
-          </p:cNvSpPr>
-          <p:nvPr>
-            <p:ph type="body" idx="1"/>
-          </p:nvPr>
-        </p:nvSpPr>
-        <p:spPr>
-          <a:prstGeom prst="rect">
-            <a:avLst/>
-          </a:prstGeom>
-        </p:spPr>
-        <p:txBody>
-          <a:bodyPr lIns="91425" tIns="91425" rIns="91425" bIns="91425" anchor="t" anchorCtr="0">
-            <a:spAutoFit/>
-          </a:bodyPr>
-          <a:lstStyle/>
-          <a:p>
-            <a:pPr marL="457200" lvl="0" indent="-419100" rtl="0">
-              <a:buClr>
-                <a:schemeClr val="dk1"/>
-              </a:buClr>
-              <a:buSzPct val="166666"/>
-              <a:buFont typeface="Arial"/>
-              <a:buChar char="•"/>
-            </a:pPr>
-            <a:r>
-              <a:rPr lang="en"/>
-              <a:t>Algorithm for distributing class labels around a graph.</a:t>
-            </a:r>
-          </a:p>
-          <a:p>
-            <a:pPr marL="457200" lvl="0" indent="-419100" rtl="0">
-              <a:buClr>
-                <a:schemeClr val="dk1"/>
-              </a:buClr>
-              <a:buSzPct val="166666"/>
-              <a:buFont typeface="Arial"/>
-              <a:buChar char="•"/>
-            </a:pPr>
-            <a:r>
-              <a:rPr lang="en"/>
-              <a:t>Uses the link structure of the graph to infer the labels of unlabeled nodes, starting from a set of labeled nodes.</a:t>
-            </a:r>
-          </a:p>
-          <a:p>
-            <a:pPr marL="457200" lvl="0" indent="-419100">
-              <a:buClr>
-                <a:schemeClr val="dk1"/>
-              </a:buClr>
-              <a:buSzPct val="166666"/>
-              <a:buFont typeface="Arial"/>
-              <a:buChar char="•"/>
-            </a:pPr>
-            <a:r>
-              <a:rPr lang="en"/>
-              <a:t>Iterative, semi-supervised algorithm</a:t>
-            </a:r>
+            <a:r>
+              <a:rPr lang="en-US" dirty="0" smtClean="0"/>
+              <a:t>Source: New </a:t>
+            </a:r>
+            <a:r>
+              <a:rPr lang="en-US" dirty="0"/>
+              <a:t>Regularized Algorithms </a:t>
+            </a:r>
+            <a:r>
+              <a:rPr lang="en-US" dirty="0" smtClean="0"/>
+              <a:t>for </a:t>
+            </a:r>
+            <a:r>
+              <a:rPr lang="en-US" dirty="0" err="1"/>
+              <a:t>Transductive</a:t>
+            </a:r>
+            <a:r>
+              <a:rPr lang="en-US" dirty="0"/>
+              <a:t> </a:t>
+            </a:r>
+            <a:r>
+              <a:rPr lang="en-US" dirty="0" smtClean="0"/>
+              <a:t>Learning. http</a:t>
+            </a:r>
+            <a:r>
+              <a:rPr lang="en-US" dirty="0"/>
+              <a:t>://</a:t>
+            </a:r>
+            <a:r>
+              <a:rPr lang="en-US" dirty="0" err="1"/>
+              <a:t>talukdar.net</a:t>
+            </a:r>
+            <a:r>
+              <a:rPr lang="en-US" dirty="0"/>
+              <a:t>/papers/adsorption_ecml09.</a:t>
+            </a:r>
+            <a:r>
+              <a:rPr lang="en-US" dirty="0" smtClean="0"/>
+              <a:t>pdf </a:t>
+            </a:r>
+            <a:endParaRPr lang="en-US" dirty="0"/>
           </a:p>
         </p:txBody>
       </p:sp>
     </p:spTree>
+    <p:extLst>
+      <p:ext uri="{BB962C8B-B14F-4D97-AF65-F5344CB8AC3E}">
+        <p14:creationId xmlns:p14="http://schemas.microsoft.com/office/powerpoint/2010/main" val="2641728310"/>
+      </p:ext>
+    </p:extLst>
   </p:cSld>
   <p:clrMapOvr>
     <a:masterClrMapping/>
   </p:clrMapOvr>
-  <p:transition xmlns:p14="http://schemas.microsoft.com/office/powerpoint/2010/main" spd="slow">
-    <p:cut/>
-  </p:transition>
 </p:sld>
 </file>
 
@@ -10541,7 +10472,7 @@
   <p:cSld>
     <p:spTree>
       <p:nvGrpSpPr>
-        <p:cNvPr id="1" name="Shape 81"/>
+        <p:cNvPr id="1" name=""/>
         <p:cNvGrpSpPr/>
         <p:nvPr/>
       </p:nvGrpSpPr>
@@ -10555,70 +10486,133 @@
       </p:grpSpPr>
       <p:sp>
         <p:nvSpPr>
-          <p:cNvPr id="82" name="Shape 82"/>
-          <p:cNvSpPr txBox="1">
-            <a:spLocks noGrp="1"/>
-          </p:cNvSpPr>
-          <p:nvPr>
-            <p:ph type="body" idx="1"/>
-          </p:nvPr>
-        </p:nvSpPr>
-        <p:spPr>
-          <a:xfrm>
-            <a:off x="3145200" y="2669883"/>
-            <a:ext cx="2853600" cy="1769685"/>
+          <p:cNvPr id="2" name="Title 1"/>
+          <p:cNvSpPr>
+            <a:spLocks noGrp="1"/>
+          </p:cNvSpPr>
+          <p:nvPr>
+            <p:ph type="title"/>
+          </p:nvPr>
+        </p:nvSpPr>
+        <p:spPr/>
+        <p:txBody>
+          <a:bodyPr/>
+          <a:lstStyle/>
+          <a:p>
+            <a:r>
+              <a:rPr lang="en-US" dirty="0" smtClean="0"/>
+              <a:t>LP Example</a:t>
+            </a:r>
+            <a:endParaRPr lang="en-US" dirty="0"/>
+          </a:p>
+        </p:txBody>
+      </p:sp>
+      <p:pic>
+        <p:nvPicPr>
+          <p:cNvPr id="6" name="Picture 5" descr="Screen Shot 2012-12-06 at 10.32.44 AM.png"/>
+          <p:cNvPicPr>
+            <a:picLocks noChangeAspect="1"/>
+          </p:cNvPicPr>
+          <p:nvPr/>
+        </p:nvPicPr>
+        <p:blipFill>
+          <a:blip r:embed="rId2">
+            <a:extLst>
+              <a:ext uri="{28A0092B-C50C-407E-A947-70E740481C1C}">
+                <a14:useLocalDpi xmlns:a14="http://schemas.microsoft.com/office/drawing/2010/main" val="0"/>
+              </a:ext>
+            </a:extLst>
+          </a:blip>
+          <a:stretch>
+            <a:fillRect/>
+          </a:stretch>
+        </p:blipFill>
+        <p:spPr>
+          <a:xfrm>
+            <a:off x="1462235" y="1710460"/>
+            <a:ext cx="6057900" cy="4152900"/>
           </a:xfrm>
           <a:prstGeom prst="rect">
             <a:avLst/>
           </a:prstGeom>
         </p:spPr>
-        <p:txBody>
-          <a:bodyPr lIns="91425" tIns="91425" rIns="91425" bIns="91425" anchor="t" anchorCtr="0">
+      </p:pic>
+      <p:sp>
+        <p:nvSpPr>
+          <p:cNvPr id="7" name="TextBox 6"/>
+          <p:cNvSpPr txBox="1"/>
+          <p:nvPr/>
+        </p:nvSpPr>
+        <p:spPr>
+          <a:xfrm>
+            <a:off x="173183" y="6396184"/>
+            <a:ext cx="9161482" cy="307777"/>
+          </a:xfrm>
+          <a:prstGeom prst="rect">
+            <a:avLst/>
+          </a:prstGeom>
+          <a:noFill/>
+        </p:spPr>
+        <p:txBody>
+          <a:bodyPr wrap="none" rtlCol="0">
             <a:spAutoFit/>
           </a:bodyPr>
           <a:lstStyle/>
           <a:p>
-            <a:pPr algn="ctr">
-              <a:buNone/>
-            </a:pPr>
-            <a:r>
-              <a:rPr lang="en" sz="4400" b="1" dirty="0" smtClean="0">
-                <a:latin typeface="Arial"/>
-                <a:cs typeface="Arial"/>
-              </a:rPr>
-              <a:t>Current</a:t>
-            </a:r>
-            <a:endParaRPr lang="en-US" sz="4400" b="1" dirty="0" smtClean="0">
-              <a:latin typeface="Arial"/>
-              <a:cs typeface="Arial"/>
-            </a:endParaRPr>
-          </a:p>
-          <a:p>
-            <a:pPr algn="ctr">
-              <a:buNone/>
-            </a:pPr>
-            <a:r>
-              <a:rPr lang="en" sz="4400" b="1" dirty="0" smtClean="0">
-                <a:latin typeface="Arial"/>
-                <a:cs typeface="Arial"/>
-              </a:rPr>
-              <a:t>Status</a:t>
-            </a:r>
-            <a:endParaRPr lang="en" sz="4400" b="1" dirty="0">
-              <a:latin typeface="Arial"/>
-              <a:cs typeface="Arial"/>
-            </a:endParaRPr>
+            <a:r>
+              <a:rPr lang="en-US" dirty="0" smtClean="0"/>
+              <a:t>Source: </a:t>
+            </a:r>
+            <a:r>
+              <a:rPr lang="en-US" dirty="0"/>
+              <a:t>New Regularized Algorithms </a:t>
+            </a:r>
+            <a:r>
+              <a:rPr lang="en-US" dirty="0" smtClean="0"/>
+              <a:t>for </a:t>
+            </a:r>
+            <a:r>
+              <a:rPr lang="en-US" dirty="0" err="1"/>
+              <a:t>Transductive</a:t>
+            </a:r>
+            <a:r>
+              <a:rPr lang="en-US" dirty="0"/>
+              <a:t> </a:t>
+            </a:r>
+            <a:r>
+              <a:rPr lang="en-US" dirty="0" smtClean="0"/>
+              <a:t>Learning. http</a:t>
+            </a:r>
+            <a:r>
+              <a:rPr lang="en-US" dirty="0"/>
+              <a:t>://</a:t>
+            </a:r>
+            <a:r>
+              <a:rPr lang="en-US" dirty="0" err="1"/>
+              <a:t>talukdar.net</a:t>
+            </a:r>
+            <a:r>
+              <a:rPr lang="en-US" dirty="0"/>
+              <a:t>/papers/adsorption_ecml09.</a:t>
+            </a:r>
+            <a:r>
+              <a:rPr lang="en-US" dirty="0" smtClean="0"/>
+              <a:t>pdf </a:t>
+            </a:r>
+            <a:endParaRPr lang="en-US" dirty="0"/>
           </a:p>
         </p:txBody>
       </p:sp>
     </p:spTree>
+    <p:extLst>
+      <p:ext uri="{BB962C8B-B14F-4D97-AF65-F5344CB8AC3E}">
+        <p14:creationId xmlns:p14="http://schemas.microsoft.com/office/powerpoint/2010/main" val="1591430440"/>
+      </p:ext>
+    </p:extLst>
   </p:cSld>
   <p:clrMapOvr>
     <a:masterClrMapping/>
   </p:clrMapOvr>
-  <p:transition xmlns:p14="http://schemas.microsoft.com/office/powerpoint/2010/main" spd="slow">
-    <p:cut/>
-  </p:transition>
 </p:sld>
 </file>
 
@@ -10650,6 +10644,10 @@
           </p:nvPr>
         </p:nvSpPr>
         <p:spPr>
+          <a:xfrm>
+            <a:off x="457200" y="679004"/>
+            <a:ext cx="8229600" cy="738633"/>
+          </a:xfrm>
           <a:prstGeom prst="rect">
             <a:avLst/>
           </a:prstGeom>
@@ -10664,9 +10662,10 @@
               <a:buNone/>
             </a:pPr>
             <a:r>
-              <a:rPr lang="en" dirty="0"/>
-              <a:t>Current Status</a:t>
-            </a:r>
+              <a:rPr lang="en-US" dirty="0" smtClean="0"/>
+              <a:t>Methodology</a:t>
+            </a:r>
+            <a:endParaRPr lang="en" dirty="0"/>
           </a:p>
         </p:txBody>
       </p:sp>
@@ -10681,6 +10680,10 @@
           </p:nvPr>
         </p:nvSpPr>
         <p:spPr>
+          <a:xfrm>
+            <a:off x="457200" y="1600200"/>
+            <a:ext cx="8229600" cy="2460643"/>
+          </a:xfrm>
           <a:prstGeom prst="rect">
             <a:avLst/>
           </a:prstGeom>
@@ -10691,24 +10694,7 @@
           </a:bodyPr>
           <a:lstStyle/>
           <a:p>
-            <a:pPr marL="457200" lvl="0" indent="-419100" rtl="0">
-              <a:lnSpc>
-                <a:spcPct val="115000"/>
-              </a:lnSpc>
-              <a:buClr>
-                <a:schemeClr val="dk1"/>
-              </a:buClr>
-              <a:buSzPct val="166666"/>
-              <a:buFont typeface="Arial"/>
-              <a:buChar char="•"/>
-            </a:pPr>
-            <a:r>
-              <a:rPr lang="en"/>
-              <a:t>Evaluating LP for location prediction</a:t>
-            </a:r>
-          </a:p>
-          <a:p>
-            <a:pPr marL="914400" lvl="1" indent="-381000" rtl="0">
+            <a:pPr marL="361950" indent="-342900">
               <a:lnSpc>
                 <a:spcPct val="115000"/>
               </a:lnSpc>
@@ -10716,16 +10702,26 @@
                 <a:schemeClr val="dk1"/>
               </a:buClr>
               <a:buSzPct val="80000"/>
-              <a:buFont typeface="Courier New"/>
-              <a:buChar char="o"/>
             </a:pPr>
             <a:r>
-              <a:rPr lang="en"/>
-              <a:t>Use subset of geotagged articles as seeds.</a:t>
-            </a:r>
-          </a:p>
-          <a:p>
-            <a:pPr marL="914400" lvl="1" indent="-381000" rtl="0">
+              <a:rPr lang="en" sz="2200" dirty="0" smtClean="0"/>
+              <a:t>Use </a:t>
+            </a:r>
+            <a:r>
+              <a:rPr lang="en-US" sz="2200" dirty="0" smtClean="0"/>
+              <a:t>a </a:t>
+            </a:r>
+            <a:r>
+              <a:rPr lang="en" sz="2200" dirty="0" smtClean="0"/>
+              <a:t>subset </a:t>
+            </a:r>
+            <a:r>
+              <a:rPr lang="en" sz="2200" dirty="0"/>
+              <a:t>of geotagged articles as seeds.</a:t>
+            </a:r>
+          </a:p>
+          <a:p>
+            <a:pPr marL="361950" indent="-342900">
               <a:lnSpc>
                 <a:spcPct val="115000"/>
               </a:lnSpc>
@@ -10733,16 +10729,14 @@
                 <a:schemeClr val="dk1"/>
               </a:buClr>
               <a:buSzPct val="80000"/>
-              <a:buFont typeface="Courier New"/>
-              <a:buChar char="o"/>
             </a:pPr>
             <a:r>
-              <a:rPr lang="en"/>
+              <a:rPr lang="en" sz="2200" dirty="0"/>
               <a:t>Run label propagation.</a:t>
             </a:r>
           </a:p>
           <a:p>
-            <a:pPr marL="914400" lvl="1" indent="-381000" rtl="0">
+            <a:pPr marL="361950" indent="-342900">
               <a:lnSpc>
                 <a:spcPct val="115000"/>
               </a:lnSpc>
@@ -10750,16 +10744,19 @@
                 <a:schemeClr val="dk1"/>
               </a:buClr>
               <a:buSzPct val="80000"/>
-              <a:buFont typeface="Courier New"/>
-              <a:buChar char="o"/>
             </a:pPr>
             <a:r>
-              <a:rPr lang="en"/>
-              <a:t>Evaluate predictions from label propagation.</a:t>
-            </a:r>
-          </a:p>
-          <a:p>
-            <a:pPr marL="1371600" lvl="2" indent="-381000" rtl="0">
+              <a:rPr lang="en" sz="2200" dirty="0"/>
+              <a:t>Evaluate predictions from label </a:t>
+            </a:r>
+            <a:r>
+              <a:rPr lang="en" sz="2200" dirty="0" smtClean="0"/>
+              <a:t>propagation.</a:t>
+            </a:r>
+            <a:endParaRPr lang="en-US" sz="2200" dirty="0" smtClean="0"/>
+          </a:p>
+          <a:p>
+            <a:pPr marL="361950" indent="-342900">
               <a:lnSpc>
                 <a:spcPct val="115000"/>
               </a:lnSpc>
@@ -10767,30 +10764,24 @@
                 <a:schemeClr val="dk1"/>
               </a:buClr>
               <a:buSzPct val="80000"/>
-              <a:buFont typeface="Wingdings"/>
-              <a:buChar char="§"/>
             </a:pPr>
             <a:r>
-              <a:rPr lang="en"/>
-              <a:t>Mean Error, Precision @ k, Recall @ k</a:t>
-            </a:r>
-          </a:p>
-          <a:p>
-            <a:pPr marL="1371600" lvl="2" indent="-381000" rtl="0">
-              <a:lnSpc>
-                <a:spcPct val="115000"/>
-              </a:lnSpc>
-              <a:buClr>
-                <a:schemeClr val="dk1"/>
-              </a:buClr>
-              <a:buSzPct val="80000"/>
-              <a:buFont typeface="Wingdings"/>
-              <a:buChar char="§"/>
-            </a:pPr>
-            <a:r>
-              <a:rPr lang="en"/>
-              <a:t>Median not useful - we predict grid cell, not exact location</a:t>
-            </a:r>
+              <a:rPr lang="en-US" sz="2200" dirty="0" smtClean="0"/>
+              <a:t>Calculate </a:t>
+            </a:r>
+            <a:r>
+              <a:rPr lang="en" sz="2200" dirty="0" smtClean="0"/>
+              <a:t>Mean </a:t>
+            </a:r>
+            <a:r>
+              <a:rPr lang="en" sz="2200" dirty="0"/>
+              <a:t>Error, Precision @ k, Recall @ </a:t>
+            </a:r>
+            <a:r>
+              <a:rPr lang="en" sz="2200" dirty="0" smtClean="0"/>
+              <a:t>k</a:t>
+            </a:r>
+            <a:endParaRPr lang="en" sz="2200" dirty="0"/>
           </a:p>
         </p:txBody>
       </p:sp>
@@ -10810,6 +10801,92 @@
   <p:cSld>
     <p:spTree>
       <p:nvGrpSpPr>
+        <p:cNvPr id="1" name="Shape 81"/>
+        <p:cNvGrpSpPr/>
+        <p:nvPr/>
+      </p:nvGrpSpPr>
+      <p:grpSpPr>
+        <a:xfrm>
+          <a:off x="0" y="0"/>
+          <a:ext cx="0" cy="0"/>
+          <a:chOff x="0" y="0"/>
+          <a:chExt cx="0" cy="0"/>
+        </a:xfrm>
+      </p:grpSpPr>
+      <p:sp>
+        <p:nvSpPr>
+          <p:cNvPr id="82" name="Shape 82"/>
+          <p:cNvSpPr txBox="1">
+            <a:spLocks noGrp="1"/>
+          </p:cNvSpPr>
+          <p:nvPr>
+            <p:ph type="body" idx="1"/>
+          </p:nvPr>
+        </p:nvSpPr>
+        <p:spPr>
+          <a:xfrm>
+            <a:off x="3145200" y="2669883"/>
+            <a:ext cx="2853600" cy="1769685"/>
+          </a:xfrm>
+          <a:prstGeom prst="rect">
+            <a:avLst/>
+          </a:prstGeom>
+        </p:spPr>
+        <p:txBody>
+          <a:bodyPr lIns="91425" tIns="91425" rIns="91425" bIns="91425" anchor="t" anchorCtr="0">
+            <a:spAutoFit/>
+          </a:bodyPr>
+          <a:lstStyle/>
+          <a:p>
+            <a:pPr algn="ctr">
+              <a:buNone/>
+            </a:pPr>
+            <a:r>
+              <a:rPr lang="en" sz="4400" b="1" dirty="0" smtClean="0">
+                <a:latin typeface="Arial"/>
+                <a:cs typeface="Arial"/>
+              </a:rPr>
+              <a:t>Current</a:t>
+            </a:r>
+            <a:endParaRPr lang="en-US" sz="4400" b="1" dirty="0" smtClean="0">
+              <a:latin typeface="Arial"/>
+              <a:cs typeface="Arial"/>
+            </a:endParaRPr>
+          </a:p>
+          <a:p>
+            <a:pPr algn="ctr">
+              <a:buNone/>
+            </a:pPr>
+            <a:r>
+              <a:rPr lang="en" sz="4400" b="1" dirty="0" smtClean="0">
+                <a:latin typeface="Arial"/>
+                <a:cs typeface="Arial"/>
+              </a:rPr>
+              <a:t>Status</a:t>
+            </a:r>
+            <a:endParaRPr lang="en" sz="4400" b="1" dirty="0">
+              <a:latin typeface="Arial"/>
+              <a:cs typeface="Arial"/>
+            </a:endParaRPr>
+          </a:p>
+        </p:txBody>
+      </p:sp>
+    </p:spTree>
+  </p:cSld>
+  <p:clrMapOvr>
+    <a:masterClrMapping/>
+  </p:clrMapOvr>
+  <p:transition xmlns:p14="http://schemas.microsoft.com/office/powerpoint/2010/main" spd="slow">
+    <p:cut/>
+  </p:transition>
+</p:sld>
+</file>
+
+<file path=ppt/slides/slide14.xml><?xml version="1.0" encoding="utf-8"?>
+<p:sld xmlns:a="http://schemas.openxmlformats.org/drawingml/2006/main" xmlns:r="http://schemas.openxmlformats.org/officeDocument/2006/relationships" xmlns:p="http://schemas.openxmlformats.org/presentationml/2006/main">
+  <p:cSld>
+    <p:spTree>
+      <p:nvGrpSpPr>
         <p:cNvPr id="1" name="Shape 92"/>
         <p:cNvGrpSpPr/>
         <p:nvPr/>
@@ -10871,7 +10948,7 @@
           <p:nvPr>
             <p:extLst>
               <p:ext uri="{D42A27DB-BD31-4B8C-83A1-F6EECF244321}">
-                <p14:modId xmlns:p14="http://schemas.microsoft.com/office/powerpoint/2010/main" val="3011236931"/>
+                <p14:modId xmlns:p14="http://schemas.microsoft.com/office/powerpoint/2010/main" val="2173515367"/>
               </p:ext>
             </p:extLst>
           </p:nvPr>
@@ -11101,10 +11178,10 @@
                     <a:p>
                       <a:pPr algn="ctr"/>
                       <a:r>
-                        <a:rPr lang="en-US" b="1" dirty="0" smtClean="0"/>
+                        <a:rPr lang="en-US" b="0" dirty="0" smtClean="0"/>
                         <a:t>75</a:t>
                       </a:r>
-                      <a:endParaRPr lang="en-US" b="1" dirty="0"/>
+                      <a:endParaRPr lang="en-US" b="0" dirty="0"/>
                     </a:p>
                   </a:txBody>
                   <a:tcPr/>
@@ -11116,10 +11193,10 @@
                     <a:p>
                       <a:pPr algn="ctr"/>
                       <a:r>
-                        <a:rPr lang="en-US" b="1" dirty="0" smtClean="0"/>
+                        <a:rPr lang="en-US" b="0" dirty="0" smtClean="0"/>
                         <a:t>1625.87</a:t>
                       </a:r>
-                      <a:endParaRPr lang="en-US" b="1" dirty="0"/>
+                      <a:endParaRPr lang="en-US" b="0" dirty="0"/>
                     </a:p>
                   </a:txBody>
                   <a:tcPr/>
@@ -11131,10 +11208,10 @@
                     <a:p>
                       <a:pPr algn="ctr"/>
                       <a:r>
-                        <a:rPr lang="en-US" b="1" dirty="0" smtClean="0"/>
+                        <a:rPr lang="en-US" b="0" dirty="0" smtClean="0"/>
                         <a:t>49.75</a:t>
                       </a:r>
-                      <a:endParaRPr lang="en-US" b="1" dirty="0"/>
+                      <a:endParaRPr lang="en-US" b="0" dirty="0"/>
                     </a:p>
                   </a:txBody>
                   <a:tcPr/>
@@ -11196,7 +11273,7 @@
 </p:sld>
 </file>
 
-<file path=ppt/slides/slide14.xml><?xml version="1.0" encoding="utf-8"?>
+<file path=ppt/slides/slide15.xml><?xml version="1.0" encoding="utf-8"?>
 <p:sld xmlns:a="http://schemas.openxmlformats.org/drawingml/2006/main" xmlns:r="http://schemas.openxmlformats.org/officeDocument/2006/relationships" xmlns:p="http://schemas.openxmlformats.org/presentationml/2006/main">
   <p:cSld>
     <p:spTree>
@@ -11245,13 +11322,13 @@
           <p:nvPr>
             <p:extLst>
               <p:ext uri="{D42A27DB-BD31-4B8C-83A1-F6EECF244321}">
-                <p14:modId xmlns:p14="http://schemas.microsoft.com/office/powerpoint/2010/main" val="3513561015"/>
+                <p14:modId xmlns:p14="http://schemas.microsoft.com/office/powerpoint/2010/main" val="3099636149"/>
               </p:ext>
             </p:extLst>
           </p:nvPr>
         </p:nvGraphicFramePr>
         <p:xfrm>
-          <a:off x="800850" y="1689715"/>
+          <a:off x="800850" y="1758985"/>
           <a:ext cx="7207657" cy="3368876"/>
         </p:xfrm>
         <a:graphic>
@@ -11522,14 +11599,14 @@
                     <a:p>
                       <a:pPr algn="ctr"/>
                       <a:r>
-                        <a:rPr lang="en-US" sz="1600" b="1" dirty="0" smtClean="0"/>
+                        <a:rPr lang="en-US" sz="1600" b="0" dirty="0" smtClean="0"/>
                         <a:t>*Label</a:t>
                       </a:r>
                       <a:r>
-                        <a:rPr lang="en-US" sz="1600" b="1" baseline="0" dirty="0" smtClean="0"/>
+                        <a:rPr lang="en-US" sz="1600" b="0" baseline="0" dirty="0" smtClean="0"/>
                         <a:t> Propagation</a:t>
                       </a:r>
-                      <a:endParaRPr lang="en-US" sz="1600" b="1" dirty="0"/>
+                      <a:endParaRPr lang="en-US" sz="1600" b="0" dirty="0"/>
                     </a:p>
                   </a:txBody>
                   <a:tcPr/>
@@ -11541,10 +11618,10 @@
                     <a:p>
                       <a:pPr algn="ctr"/>
                       <a:r>
-                        <a:rPr lang="en-US" sz="1600" b="1" dirty="0" smtClean="0"/>
+                        <a:rPr lang="en-US" sz="1600" b="0" dirty="0" smtClean="0"/>
                         <a:t>1</a:t>
                       </a:r>
-                      <a:endParaRPr lang="en-US" sz="1600" b="1" dirty="0"/>
+                      <a:endParaRPr lang="en-US" sz="1600" b="0" dirty="0"/>
                     </a:p>
                   </a:txBody>
                   <a:tcPr/>
@@ -11556,10 +11633,10 @@
                     <a:p>
                       <a:pPr algn="ctr"/>
                       <a:r>
-                        <a:rPr lang="en-US" sz="1600" b="1" dirty="0" smtClean="0"/>
+                        <a:rPr lang="en-US" sz="1600" b="0" dirty="0" smtClean="0"/>
                         <a:t>N/A</a:t>
                       </a:r>
-                      <a:endParaRPr lang="en-US" sz="1600" b="1" dirty="0"/>
+                      <a:endParaRPr lang="en-US" sz="1600" b="0" dirty="0"/>
                     </a:p>
                   </a:txBody>
                   <a:tcPr/>
@@ -11571,10 +11648,10 @@
                     <a:p>
                       <a:pPr algn="ctr"/>
                       <a:r>
-                        <a:rPr lang="en-US" sz="1600" b="1" dirty="0" smtClean="0"/>
+                        <a:rPr lang="en-US" sz="1600" b="0" dirty="0" smtClean="0"/>
                         <a:t>1626</a:t>
                       </a:r>
-                      <a:endParaRPr lang="en-US" sz="1600" b="1" dirty="0"/>
+                      <a:endParaRPr lang="en-US" sz="1600" b="0" dirty="0"/>
                     </a:p>
                   </a:txBody>
                   <a:tcPr/>
@@ -11770,43 +11847,13 @@
       </p:graphicFrame>
       <p:sp>
         <p:nvSpPr>
-          <p:cNvPr id="6" name="TextBox 5"/>
-          <p:cNvSpPr txBox="1"/>
-          <p:nvPr/>
-        </p:nvSpPr>
-        <p:spPr>
-          <a:xfrm>
-            <a:off x="572036" y="5903893"/>
-            <a:ext cx="7436472" cy="738664"/>
-          </a:xfrm>
-          <a:prstGeom prst="rect">
-            <a:avLst/>
-          </a:prstGeom>
-          <a:noFill/>
-        </p:spPr>
-        <p:txBody>
-          <a:bodyPr wrap="square" rtlCol="0">
-            <a:spAutoFit/>
-          </a:bodyPr>
-          <a:lstStyle/>
-          <a:p>
-            <a:r>
-              <a:rPr lang="en-US" dirty="0" smtClean="0"/>
-              <a:t>*Note: Our results aren’t directly comparable since our distances are between predicted and actual grid cell centers, not predicted and actual coordinates. For the same reason, Median error isn’t a useful metric.</a:t>
-            </a:r>
-            <a:endParaRPr lang="en-US" dirty="0"/>
-          </a:p>
-        </p:txBody>
-      </p:sp>
-      <p:sp>
-        <p:nvSpPr>
           <p:cNvPr id="7" name="TextBox 6"/>
           <p:cNvSpPr txBox="1"/>
           <p:nvPr/>
         </p:nvSpPr>
         <p:spPr>
           <a:xfrm>
-            <a:off x="2716301" y="5420556"/>
+            <a:off x="3097301" y="5867046"/>
             <a:ext cx="3163997" cy="400110"/>
           </a:xfrm>
           <a:prstGeom prst="rect">
@@ -11842,7 +11889,7 @@
 </p:sld>
 </file>
 
-<file path=ppt/slides/slide15.xml><?xml version="1.0" encoding="utf-8"?>
+<file path=ppt/slides/slide16.xml><?xml version="1.0" encoding="utf-8"?>
 <p:sld xmlns:a="http://schemas.openxmlformats.org/drawingml/2006/main" xmlns:r="http://schemas.openxmlformats.org/officeDocument/2006/relationships" xmlns:p="http://schemas.openxmlformats.org/presentationml/2006/main">
   <p:cSld>
     <p:spTree>
@@ -11902,14 +11949,14 @@
           <p:nvPr>
             <p:extLst>
               <p:ext uri="{D42A27DB-BD31-4B8C-83A1-F6EECF244321}">
-                <p14:modId xmlns:p14="http://schemas.microsoft.com/office/powerpoint/2010/main" val="193460952"/>
+                <p14:modId xmlns:p14="http://schemas.microsoft.com/office/powerpoint/2010/main" val="2016954765"/>
               </p:ext>
             </p:extLst>
           </p:nvPr>
         </p:nvGraphicFramePr>
         <p:xfrm>
-          <a:off x="1148171" y="1696569"/>
-          <a:ext cx="6864438" cy="3844484"/>
+          <a:off x="727364" y="1696569"/>
+          <a:ext cx="8197272" cy="4105638"/>
         </p:xfrm>
         <a:graphic>
           <a:graphicData uri="http://schemas.openxmlformats.org/drawingml/2006/chart">
@@ -11925,8 +11972,8 @@
         </p:nvSpPr>
         <p:spPr>
           <a:xfrm>
-            <a:off x="1132633" y="5802207"/>
-            <a:ext cx="6864438" cy="707886"/>
+            <a:off x="1109543" y="5963837"/>
+            <a:ext cx="6864438" cy="646331"/>
           </a:xfrm>
           <a:prstGeom prst="rect">
             <a:avLst/>
@@ -11941,10 +11988,10 @@
           <a:p>
             <a:pPr algn="ctr"/>
             <a:r>
-              <a:rPr lang="en-US" sz="2000" dirty="0" smtClean="0"/>
+              <a:rPr lang="en-US" sz="1800" dirty="0" smtClean="0"/>
               <a:t>Recall @ k measures whether the correct grid cell was present in the top k predicted cells.</a:t>
             </a:r>
-            <a:endParaRPr lang="en-US" sz="2000" dirty="0"/>
+            <a:endParaRPr lang="en-US" sz="1800" dirty="0"/>
           </a:p>
         </p:txBody>
       </p:sp>
@@ -11956,78 +12003,6 @@
   <p:transition xmlns:p14="http://schemas.microsoft.com/office/powerpoint/2010/main" spd="slow">
     <p:cut/>
   </p:transition>
-</p:sld>
-</file>
-
-<file path=ppt/slides/slide16.xml><?xml version="1.0" encoding="utf-8"?>
-<p:sld xmlns:a="http://schemas.openxmlformats.org/drawingml/2006/main" xmlns:r="http://schemas.openxmlformats.org/officeDocument/2006/relationships" xmlns:p="http://schemas.openxmlformats.org/presentationml/2006/main">
-  <p:cSld>
-    <p:spTree>
-      <p:nvGrpSpPr>
-        <p:cNvPr id="1" name=""/>
-        <p:cNvGrpSpPr/>
-        <p:nvPr/>
-      </p:nvGrpSpPr>
-      <p:grpSpPr>
-        <a:xfrm>
-          <a:off x="0" y="0"/>
-          <a:ext cx="0" cy="0"/>
-          <a:chOff x="0" y="0"/>
-          <a:chExt cx="0" cy="0"/>
-        </a:xfrm>
-      </p:grpSpPr>
-      <p:sp>
-        <p:nvSpPr>
-          <p:cNvPr id="2" name="Title 1"/>
-          <p:cNvSpPr>
-            <a:spLocks noGrp="1"/>
-          </p:cNvSpPr>
-          <p:nvPr>
-            <p:ph type="title"/>
-          </p:nvPr>
-        </p:nvSpPr>
-        <p:spPr/>
-        <p:txBody>
-          <a:bodyPr/>
-          <a:lstStyle/>
-          <a:p>
-            <a:r>
-              <a:rPr lang="en-US" dirty="0" smtClean="0"/>
-              <a:t>Example of predicted cells</a:t>
-            </a:r>
-            <a:endParaRPr lang="en-US" dirty="0"/>
-          </a:p>
-        </p:txBody>
-      </p:sp>
-      <p:sp>
-        <p:nvSpPr>
-          <p:cNvPr id="3" name="Text Placeholder 2"/>
-          <p:cNvSpPr>
-            <a:spLocks noGrp="1"/>
-          </p:cNvSpPr>
-          <p:nvPr>
-            <p:ph type="body" idx="1"/>
-          </p:nvPr>
-        </p:nvSpPr>
-        <p:spPr/>
-        <p:txBody>
-          <a:bodyPr/>
-          <a:lstStyle/>
-          <a:p>
-            <a:endParaRPr lang="en-US"/>
-          </a:p>
-        </p:txBody>
-      </p:sp>
-    </p:spTree>
-    <p:extLst>
-      <p:ext uri="{BB962C8B-B14F-4D97-AF65-F5344CB8AC3E}">
-        <p14:creationId xmlns:p14="http://schemas.microsoft.com/office/powerpoint/2010/main" val="1310146574"/>
-      </p:ext>
-    </p:extLst>
-  </p:cSld>
-  <p:clrMapOvr>
-    <a:masterClrMapping/>
-  </p:clrMapOvr>
 </p:sld>
 </file>
 
@@ -12081,29 +12056,37 @@
             <p:ph type="body" idx="1"/>
           </p:nvPr>
         </p:nvSpPr>
-        <p:spPr/>
+        <p:spPr>
+          <a:xfrm>
+            <a:off x="457200" y="1653309"/>
+            <a:ext cx="7947891" cy="4967700"/>
+          </a:xfrm>
+        </p:spPr>
         <p:txBody>
           <a:bodyPr/>
           <a:lstStyle/>
           <a:p>
             <a:r>
-              <a:rPr lang="en-US" dirty="0" smtClean="0"/>
+              <a:rPr lang="en-US" sz="2400" dirty="0" smtClean="0"/>
               <a:t>Link structure contains useful information about article location.</a:t>
             </a:r>
           </a:p>
           <a:p>
             <a:r>
-              <a:rPr lang="en-US" dirty="0" smtClean="0"/>
+              <a:rPr lang="en-US" sz="2400" dirty="0" smtClean="0"/>
               <a:t>Label propagation can recover this information with reasonable accuracy.</a:t>
             </a:r>
           </a:p>
           <a:p>
             <a:r>
-              <a:rPr lang="en-US" dirty="0" smtClean="0"/>
-              <a:t>Extra, potentially useful, geo-locations for seed articles too.</a:t>
-            </a:r>
-          </a:p>
-          <a:p>
+              <a:rPr lang="en-US" sz="2400" dirty="0" smtClean="0"/>
+              <a:t>Might help build better language models for grid cells used in Textgrounder.</a:t>
+            </a:r>
+          </a:p>
+          <a:p>
+            <a:pPr marL="0" indent="0">
+              <a:buNone/>
+            </a:pPr>
             <a:endParaRPr lang="en-US" dirty="0"/>
           </a:p>
         </p:txBody>
@@ -12300,7 +12283,7 @@
   <p:cSld>
     <p:spTree>
       <p:nvGrpSpPr>
-        <p:cNvPr id="1" name="Shape 28"/>
+        <p:cNvPr id="1" name="Shape 34"/>
         <p:cNvGrpSpPr/>
         <p:nvPr/>
       </p:nvGrpSpPr>
@@ -12314,7 +12297,7 @@
       </p:grpSpPr>
       <p:sp>
         <p:nvSpPr>
-          <p:cNvPr id="29" name="Shape 29"/>
+          <p:cNvPr id="35" name="Shape 35"/>
           <p:cNvSpPr txBox="1">
             <a:spLocks noGrp="1"/>
           </p:cNvSpPr>
@@ -12338,14 +12321,14 @@
             </a:pPr>
             <a:r>
               <a:rPr lang="en" dirty="0"/>
-              <a:t>Overview</a:t>
-            </a:r>
-          </a:p>
-        </p:txBody>
-      </p:sp>
-      <p:sp>
-        <p:nvSpPr>
-          <p:cNvPr id="30" name="Shape 30"/>
+              <a:t>About Geolocation</a:t>
+            </a:r>
+          </a:p>
+        </p:txBody>
+      </p:sp>
+      <p:sp>
+        <p:nvSpPr>
+          <p:cNvPr id="36" name="Shape 36"/>
           <p:cNvSpPr txBox="1">
             <a:spLocks noGrp="1"/>
           </p:cNvSpPr>
@@ -12354,6 +12337,10 @@
           </p:nvPr>
         </p:nvSpPr>
         <p:spPr>
+          <a:xfrm>
+            <a:off x="457200" y="1600200"/>
+            <a:ext cx="8229600" cy="3345501"/>
+          </a:xfrm>
           <a:prstGeom prst="rect">
             <a:avLst/>
           </a:prstGeom>
@@ -12364,71 +12351,58 @@
           </a:bodyPr>
           <a:lstStyle/>
           <a:p>
-            <a:pPr marL="457200" lvl="0" indent="-419100" rtl="0">
+            <a:pPr lvl="0" rtl="0">
               <a:lnSpc>
-                <a:spcPct val="150000"/>
+                <a:spcPct val="115000"/>
               </a:lnSpc>
-              <a:buClr>
-                <a:schemeClr val="dk1"/>
-              </a:buClr>
-              <a:buSzPct val="100000"/>
-              <a:buFont typeface="Arial"/>
-              <a:buAutoNum type="arabicPeriod"/>
+              <a:buNone/>
             </a:pPr>
-            <a:r>
-              <a:rPr lang="en" dirty="0"/>
-              <a:t>Introduction</a:t>
-            </a:r>
-          </a:p>
-          <a:p>
-            <a:pPr marL="457200" lvl="0" indent="-419100" rtl="0">
+            <a:endParaRPr lang="en-US" dirty="0" smtClean="0"/>
+          </a:p>
+          <a:p>
+            <a:pPr lvl="0" rtl="0">
               <a:lnSpc>
-                <a:spcPct val="150000"/>
+                <a:spcPct val="115000"/>
               </a:lnSpc>
-              <a:buClr>
-                <a:schemeClr val="dk1"/>
-              </a:buClr>
-              <a:buSzPct val="100000"/>
-              <a:buFont typeface="Arial"/>
-              <a:buAutoNum type="arabicPeriod"/>
+              <a:buNone/>
             </a:pPr>
             <a:r>
-              <a:rPr lang="en" dirty="0"/>
-              <a:t>Methodology</a:t>
-            </a:r>
-          </a:p>
-          <a:p>
-            <a:pPr marL="457200" lvl="0" indent="-419100" rtl="0">
+              <a:rPr lang="en" sz="2400" dirty="0" smtClean="0"/>
+              <a:t>Predicting </a:t>
+            </a:r>
+            <a:r>
+              <a:rPr lang="en" sz="2400" dirty="0"/>
+              <a:t>location of documents based on the language used in </a:t>
+            </a:r>
+            <a:r>
+              <a:rPr lang="en" sz="2400" dirty="0" smtClean="0"/>
+              <a:t>them</a:t>
+            </a:r>
+            <a:endParaRPr lang="en" sz="2400" dirty="0"/>
+          </a:p>
+          <a:p>
+            <a:pPr lvl="0" rtl="0">
               <a:lnSpc>
-                <a:spcPct val="150000"/>
+                <a:spcPct val="115000"/>
               </a:lnSpc>
-              <a:buClr>
-                <a:schemeClr val="dk1"/>
-              </a:buClr>
-              <a:buSzPct val="100000"/>
-              <a:buFont typeface="Arial"/>
-              <a:buAutoNum type="arabicPeriod"/>
+              <a:buNone/>
             </a:pPr>
-            <a:r>
-              <a:rPr lang="en" dirty="0"/>
-              <a:t>Current Status</a:t>
-            </a:r>
-          </a:p>
-          <a:p>
-            <a:pPr marL="457200" lvl="0" indent="-419100" rtl="0">
+            <a:endParaRPr lang="en-US" sz="2400" dirty="0" smtClean="0"/>
+          </a:p>
+          <a:p>
+            <a:pPr lvl="0" rtl="0">
               <a:lnSpc>
-                <a:spcPct val="150000"/>
+                <a:spcPct val="115000"/>
               </a:lnSpc>
-              <a:buClr>
-                <a:schemeClr val="dk1"/>
-              </a:buClr>
-              <a:buSzPct val="100000"/>
-              <a:buFont typeface="Arial"/>
-              <a:buAutoNum type="arabicPeriod"/>
+              <a:buNone/>
             </a:pPr>
             <a:r>
-              <a:rPr lang="en" dirty="0"/>
-              <a:t>Future Work</a:t>
+              <a:rPr lang="en" sz="2400" dirty="0" smtClean="0"/>
+              <a:t>For </a:t>
+            </a:r>
+            <a:r>
+              <a:rPr lang="en" sz="2400" dirty="0"/>
+              <a:t>wikipedia articles, predicting the location of places that the articles are about</a:t>
             </a:r>
           </a:p>
         </p:txBody>
@@ -12449,7 +12423,7 @@
   <p:cSld>
     <p:spTree>
       <p:nvGrpSpPr>
-        <p:cNvPr id="1" name="Shape 34"/>
+        <p:cNvPr id="1" name="Shape 40"/>
         <p:cNvGrpSpPr/>
         <p:nvPr/>
       </p:nvGrpSpPr>
@@ -12463,7 +12437,7 @@
       </p:grpSpPr>
       <p:sp>
         <p:nvSpPr>
-          <p:cNvPr id="35" name="Shape 35"/>
+          <p:cNvPr id="41" name="Shape 41"/>
           <p:cNvSpPr txBox="1">
             <a:spLocks noGrp="1"/>
           </p:cNvSpPr>
@@ -12472,6 +12446,10 @@
           </p:nvPr>
         </p:nvSpPr>
         <p:spPr>
+          <a:xfrm>
+            <a:off x="457200" y="448171"/>
+            <a:ext cx="8229600" cy="969466"/>
+          </a:xfrm>
           <a:prstGeom prst="rect">
             <a:avLst/>
           </a:prstGeom>
@@ -12482,19 +12460,23 @@
           </a:bodyPr>
           <a:lstStyle/>
           <a:p>
-            <a:pPr lvl="0" rtl="0">
+            <a:pPr>
+              <a:lnSpc>
+                <a:spcPct val="150000"/>
+              </a:lnSpc>
               <a:buNone/>
             </a:pPr>
             <a:r>
-              <a:rPr lang="en" dirty="0"/>
-              <a:t>About Geolocation</a:t>
-            </a:r>
-          </a:p>
-        </p:txBody>
-      </p:sp>
-      <p:sp>
-        <p:nvSpPr>
-          <p:cNvPr id="36" name="Shape 36"/>
+              <a:rPr lang="en-US" dirty="0" smtClean="0"/>
+              <a:t>Textgrounder</a:t>
+            </a:r>
+            <a:endParaRPr lang="en" dirty="0"/>
+          </a:p>
+        </p:txBody>
+      </p:sp>
+      <p:sp>
+        <p:nvSpPr>
+          <p:cNvPr id="42" name="Shape 42"/>
           <p:cNvSpPr txBox="1">
             <a:spLocks noGrp="1"/>
           </p:cNvSpPr>
@@ -12505,7 +12487,7 @@
         <p:spPr>
           <a:xfrm>
             <a:off x="457200" y="1600200"/>
-            <a:ext cx="8229600" cy="1823546"/>
+            <a:ext cx="8229600" cy="2903842"/>
           </a:xfrm>
           <a:prstGeom prst="rect">
             <a:avLst/>
@@ -12517,33 +12499,136 @@
           </a:bodyPr>
           <a:lstStyle/>
           <a:p>
-            <a:pPr lvl="0" rtl="0">
+            <a:pPr marL="457200" lvl="0" indent="-419100" rtl="0">
               <a:lnSpc>
                 <a:spcPct val="115000"/>
               </a:lnSpc>
-              <a:buNone/>
+              <a:buClr>
+                <a:schemeClr val="dk1"/>
+              </a:buClr>
+              <a:buSzPct val="166666"/>
+              <a:buFont typeface="Arial"/>
+              <a:buChar char="•"/>
             </a:pPr>
             <a:r>
-              <a:rPr lang="en" dirty="0"/>
-              <a:t>Predicting location of documents based on the language used in </a:t>
-            </a:r>
-            <a:r>
-              <a:rPr lang="en" dirty="0" smtClean="0"/>
-              <a:t>them</a:t>
-            </a:r>
-            <a:endParaRPr lang="en" dirty="0"/>
-          </a:p>
-          <a:p>
-            <a:pPr lvl="0" rtl="0">
+              <a:rPr lang="en" sz="2400" dirty="0" smtClean="0"/>
+              <a:t>Wing and Baldridge 11, Roller et al. 12</a:t>
+            </a:r>
+            <a:endParaRPr lang="en-US" sz="2400" dirty="0" smtClean="0"/>
+          </a:p>
+          <a:p>
+            <a:pPr marL="457200" lvl="0" indent="-419100" rtl="0">
               <a:lnSpc>
                 <a:spcPct val="115000"/>
               </a:lnSpc>
-              <a:buNone/>
+              <a:buClr>
+                <a:schemeClr val="dk1"/>
+              </a:buClr>
+              <a:buSzPct val="166666"/>
+              <a:buFont typeface="Arial"/>
+              <a:buChar char="•"/>
             </a:pPr>
             <a:r>
-              <a:rPr lang="en" dirty="0"/>
-              <a:t>For wikipedia articles, predicting the location of places that the articles are about</a:t>
-            </a:r>
+              <a:rPr lang="en" sz="2400" dirty="0" smtClean="0"/>
+              <a:t>Approaches geolocation as an IR task</a:t>
+            </a:r>
+            <a:r>
+              <a:rPr lang="en-US" sz="2400" dirty="0" smtClean="0"/>
+              <a:t>:</a:t>
+            </a:r>
+            <a:endParaRPr lang="en" sz="2400" dirty="0" smtClean="0"/>
+          </a:p>
+          <a:p>
+            <a:pPr marL="914400" lvl="1" indent="-381000" rtl="0">
+              <a:lnSpc>
+                <a:spcPct val="115000"/>
+              </a:lnSpc>
+              <a:buClr>
+                <a:schemeClr val="dk1"/>
+              </a:buClr>
+              <a:buSzPct val="80000"/>
+              <a:buFont typeface="Courier New"/>
+              <a:buChar char="o"/>
+            </a:pPr>
+            <a:r>
+              <a:rPr lang="en" sz="2000" dirty="0" smtClean="0"/>
+              <a:t>Divides the world into grid cells (</a:t>
+            </a:r>
+            <a:r>
+              <a:rPr lang="en-US" sz="2000" dirty="0" smtClean="0"/>
+              <a:t>“</a:t>
+            </a:r>
+            <a:r>
+              <a:rPr lang="en" sz="2000" dirty="0" smtClean="0"/>
+              <a:t>documents</a:t>
+            </a:r>
+            <a:r>
+              <a:rPr lang="en-US" sz="2000" dirty="0" smtClean="0"/>
+              <a:t>”</a:t>
+            </a:r>
+            <a:r>
+              <a:rPr lang="en" sz="2000" dirty="0" smtClean="0"/>
+              <a:t>)</a:t>
+            </a:r>
+          </a:p>
+          <a:p>
+            <a:pPr marL="914400" lvl="1" indent="-381000" rtl="0">
+              <a:lnSpc>
+                <a:spcPct val="115000"/>
+              </a:lnSpc>
+              <a:buClr>
+                <a:schemeClr val="dk1"/>
+              </a:buClr>
+              <a:buSzPct val="80000"/>
+              <a:buFont typeface="Courier New"/>
+              <a:buChar char="o"/>
+            </a:pPr>
+            <a:r>
+              <a:rPr lang="en" sz="2000" dirty="0" smtClean="0"/>
+              <a:t>Learns a language model for each grid cell</a:t>
+            </a:r>
+          </a:p>
+          <a:p>
+            <a:pPr marL="914400" lvl="1" indent="-381000" rtl="0">
+              <a:lnSpc>
+                <a:spcPct val="115000"/>
+              </a:lnSpc>
+              <a:buClr>
+                <a:schemeClr val="dk1"/>
+              </a:buClr>
+              <a:buSzPct val="80000"/>
+              <a:buFont typeface="Courier New"/>
+              <a:buChar char="o"/>
+            </a:pPr>
+            <a:r>
+              <a:rPr lang="en" sz="2000" dirty="0" smtClean="0"/>
+              <a:t>Predicts location for a new </a:t>
+            </a:r>
+            <a:r>
+              <a:rPr lang="en-US" sz="2000" dirty="0" smtClean="0"/>
+              <a:t>article</a:t>
+            </a:r>
+            <a:r>
+              <a:rPr lang="en" sz="2000" dirty="0" smtClean="0"/>
+              <a:t> (</a:t>
+            </a:r>
+            <a:r>
+              <a:rPr lang="en-US" sz="2000" dirty="0" smtClean="0"/>
+              <a:t>“</a:t>
+            </a:r>
+            <a:r>
+              <a:rPr lang="en" sz="2000" dirty="0" smtClean="0"/>
+              <a:t>query</a:t>
+            </a:r>
+            <a:r>
+              <a:rPr lang="en-US" sz="2000" dirty="0" smtClean="0"/>
+              <a:t>”</a:t>
+            </a:r>
+            <a:r>
+              <a:rPr lang="en" sz="2000" dirty="0" smtClean="0"/>
+              <a:t>) by comparing it's language model to that of grid cells</a:t>
+            </a:r>
+            <a:endParaRPr lang="en" sz="2000" dirty="0"/>
           </a:p>
         </p:txBody>
       </p:sp>
@@ -12563,7 +12648,7 @@
   <p:cSld>
     <p:spTree>
       <p:nvGrpSpPr>
-        <p:cNvPr id="1" name="Shape 40"/>
+        <p:cNvPr id="1" name="Shape 46"/>
         <p:cNvGrpSpPr/>
         <p:nvPr/>
       </p:nvGrpSpPr>
@@ -12577,7 +12662,7 @@
       </p:grpSpPr>
       <p:sp>
         <p:nvSpPr>
-          <p:cNvPr id="41" name="Shape 41"/>
+          <p:cNvPr id="47" name="Shape 47"/>
           <p:cNvSpPr txBox="1">
             <a:spLocks noGrp="1"/>
           </p:cNvSpPr>
@@ -12597,21 +12682,18 @@
           <a:lstStyle/>
           <a:p>
             <a:pPr>
-              <a:lnSpc>
-                <a:spcPct val="150000"/>
-              </a:lnSpc>
               <a:buNone/>
             </a:pPr>
             <a:r>
               <a:rPr lang="en"/>
-              <a:t>Previous Work</a:t>
-            </a:r>
-          </a:p>
-        </p:txBody>
-      </p:sp>
-      <p:sp>
-        <p:nvSpPr>
-          <p:cNvPr id="42" name="Shape 42"/>
+              <a:t>Previous Work (contd.)</a:t>
+            </a:r>
+          </a:p>
+        </p:txBody>
+      </p:sp>
+      <p:sp>
+        <p:nvSpPr>
+          <p:cNvPr id="48" name="Shape 48"/>
           <p:cNvSpPr txBox="1">
             <a:spLocks noGrp="1"/>
           </p:cNvSpPr>
@@ -12622,7 +12704,7 @@
         <p:spPr>
           <a:xfrm>
             <a:off x="457200" y="1600200"/>
-            <a:ext cx="8229600" cy="2621457"/>
+            <a:ext cx="8229600" cy="3933354"/>
           </a:xfrm>
           <a:prstGeom prst="rect">
             <a:avLst/>
@@ -12646,98 +12728,65 @@
               <a:buChar char="•"/>
             </a:pPr>
             <a:r>
-              <a:rPr lang="en" dirty="0"/>
-              <a:t>Textgrounder (Wing and Baldridge 11, Roller et al. </a:t>
-            </a:r>
-            <a:r>
-              <a:rPr lang="en" dirty="0" smtClean="0"/>
-              <a:t>12)</a:t>
-            </a:r>
-            <a:endParaRPr lang="en-US" dirty="0" smtClean="0"/>
-          </a:p>
-          <a:p>
-            <a:pPr marL="457200" lvl="0" indent="-419100" rtl="0">
-              <a:lnSpc>
-                <a:spcPct val="115000"/>
-              </a:lnSpc>
-              <a:buClr>
-                <a:schemeClr val="dk1"/>
-              </a:buClr>
-              <a:buSzPct val="166666"/>
-              <a:buFont typeface="Arial"/>
-              <a:buChar char="•"/>
-            </a:pPr>
-            <a:r>
-              <a:rPr lang="en" dirty="0" smtClean="0"/>
-              <a:t>Approaches </a:t>
-            </a:r>
-            <a:r>
-              <a:rPr lang="en" dirty="0"/>
-              <a:t>geolocation as an IR </a:t>
-            </a:r>
-            <a:r>
-              <a:rPr lang="en" dirty="0" smtClean="0"/>
-              <a:t>task</a:t>
-            </a:r>
-            <a:r>
-              <a:rPr lang="en-US" dirty="0" smtClean="0"/>
-              <a:t>:</a:t>
-            </a:r>
-            <a:endParaRPr lang="en" dirty="0"/>
+              <a:rPr lang="en-US" sz="2400" dirty="0" smtClean="0"/>
+              <a:t>Potential Improvements</a:t>
+            </a:r>
+            <a:endParaRPr lang="en" sz="2400" dirty="0"/>
           </a:p>
           <a:p>
             <a:pPr marL="914400" lvl="1" indent="-381000" rtl="0">
               <a:lnSpc>
                 <a:spcPct val="115000"/>
               </a:lnSpc>
+              <a:spcBef>
+                <a:spcPts val="480"/>
+              </a:spcBef>
               <a:buClr>
                 <a:schemeClr val="dk1"/>
               </a:buClr>
-              <a:buSzPct val="80000"/>
+              <a:buSzPct val="100000"/>
               <a:buFont typeface="Courier New"/>
               <a:buChar char="o"/>
             </a:pPr>
             <a:r>
-              <a:rPr lang="en" dirty="0"/>
-              <a:t>Divides the world into grid cells </a:t>
-            </a:r>
-            <a:r>
-              <a:rPr lang="en" dirty="0" smtClean="0"/>
-              <a:t>(</a:t>
-            </a:r>
-            <a:r>
-              <a:rPr lang="en-US" dirty="0" smtClean="0"/>
-              <a:t>“</a:t>
-            </a:r>
-            <a:r>
-              <a:rPr lang="en" dirty="0" smtClean="0"/>
-              <a:t>documents</a:t>
-            </a:r>
-            <a:r>
-              <a:rPr lang="en-US" dirty="0" smtClean="0"/>
-              <a:t>”</a:t>
-            </a:r>
-            <a:r>
-              <a:rPr lang="en" dirty="0" smtClean="0"/>
-              <a:t>)</a:t>
-            </a:r>
-            <a:endParaRPr lang="en" dirty="0"/>
+              <a:rPr lang="en" sz="2000" dirty="0"/>
+              <a:t>Only uses geotagged articles for training</a:t>
+            </a:r>
           </a:p>
           <a:p>
             <a:pPr marL="914400" lvl="1" indent="-381000" rtl="0">
               <a:lnSpc>
                 <a:spcPct val="115000"/>
               </a:lnSpc>
+              <a:spcBef>
+                <a:spcPts val="480"/>
+              </a:spcBef>
               <a:buClr>
                 <a:schemeClr val="dk1"/>
               </a:buClr>
-              <a:buSzPct val="80000"/>
+              <a:buSzPct val="100000"/>
               <a:buFont typeface="Courier New"/>
               <a:buChar char="o"/>
             </a:pPr>
             <a:r>
-              <a:rPr lang="en" dirty="0"/>
-              <a:t>Learns a language model for each grid cell</a:t>
+              <a:rPr lang="en" sz="2000" dirty="0"/>
+              <a:t>Doesn't use </a:t>
+            </a:r>
+            <a:r>
+              <a:rPr lang="en" sz="2000" dirty="0" smtClean="0"/>
+              <a:t>information</a:t>
+            </a:r>
+            <a:r>
+              <a:rPr lang="en-US" sz="2000" dirty="0" smtClean="0"/>
+              <a:t> present</a:t>
+            </a:r>
+            <a:r>
+              <a:rPr lang="en" sz="2000" dirty="0" smtClean="0"/>
+              <a:t> </a:t>
+            </a:r>
+            <a:r>
+              <a:rPr lang="en" sz="2000" dirty="0"/>
+              <a:t>in link structure</a:t>
             </a:r>
           </a:p>
           <a:p>
@@ -12745,45 +12794,119 @@
               <a:lnSpc>
                 <a:spcPct val="115000"/>
               </a:lnSpc>
+              <a:spcBef>
+                <a:spcPts val="480"/>
+              </a:spcBef>
               <a:buClr>
                 <a:schemeClr val="dk1"/>
               </a:buClr>
-              <a:buSzPct val="80000"/>
+              <a:buSzPct val="100000"/>
               <a:buFont typeface="Courier New"/>
               <a:buChar char="o"/>
             </a:pPr>
             <a:r>
-              <a:rPr lang="en" dirty="0"/>
-              <a:t>Predicts location for a new </a:t>
-            </a:r>
-            <a:r>
-              <a:rPr lang="en-US" dirty="0" smtClean="0"/>
-              <a:t>article</a:t>
-            </a:r>
-            <a:r>
-              <a:rPr lang="en" dirty="0" smtClean="0"/>
-              <a:t> (</a:t>
-            </a:r>
-            <a:r>
-              <a:rPr lang="en-US" dirty="0" smtClean="0"/>
-              <a:t>“</a:t>
-            </a:r>
-            <a:r>
-              <a:rPr lang="en" dirty="0" smtClean="0"/>
-              <a:t>query</a:t>
-            </a:r>
-            <a:r>
-              <a:rPr lang="en-US" dirty="0" smtClean="0"/>
-              <a:t>”</a:t>
-            </a:r>
-            <a:r>
-              <a:rPr lang="en" dirty="0" smtClean="0"/>
-              <a:t>) </a:t>
-            </a:r>
-            <a:r>
-              <a:rPr lang="en" dirty="0"/>
-              <a:t>by comparing it's language model to that of grid cells</a:t>
-            </a:r>
+              <a:rPr lang="en-US" sz="2000" dirty="0" smtClean="0"/>
+              <a:t>E</a:t>
+            </a:r>
+            <a:r>
+              <a:rPr lang="en" sz="2000" dirty="0" smtClean="0"/>
+              <a:t>ach </a:t>
+            </a:r>
+            <a:r>
+              <a:rPr lang="en" sz="2000" dirty="0"/>
+              <a:t>article is associated with just one grid </a:t>
+            </a:r>
+            <a:r>
+              <a:rPr lang="en" sz="2000" dirty="0" smtClean="0"/>
+              <a:t>cell</a:t>
+            </a:r>
+            <a:endParaRPr lang="en-US" sz="2000" dirty="0" smtClean="0"/>
+          </a:p>
+          <a:p>
+            <a:pPr marL="1314450" lvl="2" indent="-381000">
+              <a:lnSpc>
+                <a:spcPct val="115000"/>
+              </a:lnSpc>
+              <a:spcBef>
+                <a:spcPts val="480"/>
+              </a:spcBef>
+              <a:buClr>
+                <a:schemeClr val="dk1"/>
+              </a:buClr>
+              <a:buFont typeface="Courier New"/>
+              <a:buChar char="o"/>
+            </a:pPr>
+            <a:r>
+              <a:rPr lang="en-US" sz="2000" dirty="0" smtClean="0"/>
+              <a:t>I.e.</a:t>
+            </a:r>
+            <a:r>
+              <a:rPr lang="en-US" sz="2000" dirty="0" smtClean="0"/>
+              <a:t>, the cell that the article’s coordinates fall in.</a:t>
+            </a:r>
+          </a:p>
+          <a:p>
+            <a:pPr marL="1314450" lvl="2" indent="-381000">
+              <a:lnSpc>
+                <a:spcPct val="115000"/>
+              </a:lnSpc>
+              <a:spcBef>
+                <a:spcPts val="480"/>
+              </a:spcBef>
+              <a:buClr>
+                <a:schemeClr val="dk1"/>
+              </a:buClr>
+              <a:buFont typeface="Courier New"/>
+              <a:buChar char="o"/>
+            </a:pPr>
+            <a:r>
+              <a:rPr lang="en" sz="2000" dirty="0" smtClean="0"/>
+              <a:t>What's </a:t>
+            </a:r>
+            <a:r>
+              <a:rPr lang="en" sz="2000" dirty="0"/>
+              <a:t>the </a:t>
+            </a:r>
+            <a:r>
+              <a:rPr lang="en-US" sz="2000" dirty="0" smtClean="0"/>
+              <a:t>correct cell </a:t>
+            </a:r>
+            <a:r>
+              <a:rPr lang="en" sz="2000" dirty="0" smtClean="0"/>
+              <a:t>for </a:t>
+            </a:r>
+            <a:r>
+              <a:rPr lang="en" sz="2000" dirty="0"/>
+              <a:t>Texas</a:t>
+            </a:r>
+            <a:r>
+              <a:rPr lang="en" sz="2000" dirty="0" smtClean="0"/>
+              <a:t>?</a:t>
+            </a:r>
+            <a:endParaRPr lang="en-US" sz="2000" dirty="0" smtClean="0"/>
+          </a:p>
+          <a:p>
+            <a:pPr marL="1314450" lvl="2" indent="-381000">
+              <a:lnSpc>
+                <a:spcPct val="115000"/>
+              </a:lnSpc>
+              <a:spcBef>
+                <a:spcPts val="480"/>
+              </a:spcBef>
+              <a:buClr>
+                <a:schemeClr val="dk1"/>
+              </a:buClr>
+              <a:buFont typeface="Courier New"/>
+              <a:buChar char="o"/>
+            </a:pPr>
+            <a:r>
+              <a:rPr lang="en-US" sz="2000" dirty="0" smtClean="0"/>
+              <a:t>What cell should articles about people be associated with?</a:t>
+            </a:r>
+            <a:endParaRPr lang="en" sz="2000" dirty="0"/>
+          </a:p>
+          <a:p>
+            <a:endParaRPr lang="en" sz="2400" dirty="0"/>
           </a:p>
         </p:txBody>
       </p:sp>
@@ -12803,7 +12926,7 @@
   <p:cSld>
     <p:spTree>
       <p:nvGrpSpPr>
-        <p:cNvPr id="1" name="Shape 46"/>
+        <p:cNvPr id="1" name="Shape 52"/>
         <p:cNvGrpSpPr/>
         <p:nvPr/>
       </p:nvGrpSpPr>
@@ -12817,7 +12940,7 @@
       </p:grpSpPr>
       <p:sp>
         <p:nvSpPr>
-          <p:cNvPr id="47" name="Shape 47"/>
+          <p:cNvPr id="53" name="Shape 53"/>
           <p:cNvSpPr txBox="1">
             <a:spLocks noGrp="1"/>
           </p:cNvSpPr>
@@ -12841,14 +12964,14 @@
             </a:pPr>
             <a:r>
               <a:rPr lang="en"/>
-              <a:t>Previous Work (contd.)</a:t>
-            </a:r>
-          </a:p>
-        </p:txBody>
-      </p:sp>
-      <p:sp>
-        <p:nvSpPr>
-          <p:cNvPr id="48" name="Shape 48"/>
+              <a:t>Example: Texan Cities</a:t>
+            </a:r>
+          </a:p>
+        </p:txBody>
+      </p:sp>
+      <p:sp>
+        <p:nvSpPr>
+          <p:cNvPr id="54" name="Shape 54"/>
           <p:cNvSpPr txBox="1">
             <a:spLocks noGrp="1"/>
           </p:cNvSpPr>
@@ -12858,23 +12981,63 @@
         </p:nvSpPr>
         <p:spPr>
           <a:xfrm>
-            <a:off x="457200" y="1600200"/>
-            <a:ext cx="8229600" cy="4287297"/>
+            <a:off x="762000" y="1786220"/>
+            <a:ext cx="7666182" cy="4262675"/>
           </a:xfrm>
           <a:prstGeom prst="rect">
             <a:avLst/>
           </a:prstGeom>
         </p:spPr>
         <p:txBody>
-          <a:bodyPr lIns="91425" tIns="91425" rIns="91425" bIns="91425" anchor="t" anchorCtr="0">
+          <a:bodyPr wrap="square" lIns="91425" tIns="91425" rIns="91425" bIns="91425" anchor="t" anchorCtr="0">
             <a:spAutoFit/>
           </a:bodyPr>
           <a:lstStyle/>
           <a:p>
+            <a:pPr lvl="0" rtl="0">
+              <a:buNone/>
+            </a:pPr>
+            <a:r>
+              <a:rPr lang="en" dirty="0" smtClean="0"/>
+              <a:t>Texas</a:t>
+            </a:r>
+            <a:r>
+              <a:rPr lang="en" dirty="0"/>
+              <a:t>: 31°N 100°W</a:t>
+            </a:r>
+          </a:p>
+          <a:p>
+            <a:pPr lvl="0" rtl="0">
+              <a:buNone/>
+            </a:pPr>
+            <a:r>
+              <a:rPr lang="en" dirty="0"/>
+              <a:t>Austin: 30°15′N 97°45′W</a:t>
+            </a:r>
+          </a:p>
+          <a:p>
+            <a:pPr lvl="0" rtl="0">
+              <a:buNone/>
+            </a:pPr>
+            <a:r>
+              <a:rPr lang="en" dirty="0"/>
+              <a:t>Houston: 29° 45′ 46″ N, 95° 22′ 59″ W</a:t>
+            </a:r>
+          </a:p>
+          <a:p>
+            <a:pPr lvl="0" rtl="0">
+              <a:buNone/>
+            </a:pPr>
+            <a:r>
+              <a:rPr lang="en" dirty="0"/>
+              <a:t>El Paso: 31° 47′ 25″ N, 106° 25′ 24″ W</a:t>
+            </a:r>
+          </a:p>
+          <a:p>
+            <a:endParaRPr lang="en" dirty="0"/>
+          </a:p>
+          <a:p>
             <a:pPr marL="457200" lvl="0" indent="-419100" rtl="0">
-              <a:lnSpc>
-                <a:spcPct val="115000"/>
-              </a:lnSpc>
               <a:buClr>
                 <a:schemeClr val="dk1"/>
               </a:buClr>
@@ -12883,188 +13046,34 @@
               <a:buChar char="•"/>
             </a:pPr>
             <a:r>
-              <a:rPr lang="en" sz="2400" dirty="0"/>
-              <a:t>Drawbacks</a:t>
-            </a:r>
-          </a:p>
-          <a:p>
-            <a:pPr marL="914400" lvl="1" indent="-381000" rtl="0">
-              <a:lnSpc>
-                <a:spcPct val="115000"/>
-              </a:lnSpc>
-              <a:spcBef>
-                <a:spcPts val="480"/>
-              </a:spcBef>
+              <a:rPr lang="en" dirty="0"/>
+              <a:t>Texas refers to all these pages!</a:t>
+            </a:r>
+          </a:p>
+          <a:p>
+            <a:pPr marL="457200" lvl="0" indent="-419100" rtl="0">
               <a:buClr>
                 <a:schemeClr val="dk1"/>
               </a:buClr>
-              <a:buSzPct val="100000"/>
-              <a:buFont typeface="Courier New"/>
-              <a:buChar char="o"/>
+              <a:buSzPct val="166666"/>
+              <a:buFont typeface="Arial"/>
+              <a:buChar char="•"/>
             </a:pPr>
             <a:r>
-              <a:rPr lang="en" sz="2000" dirty="0"/>
-              <a:t>Only uses geotagged articles for training</a:t>
-            </a:r>
-          </a:p>
-          <a:p>
-            <a:pPr marL="914400" lvl="1" indent="-381000" rtl="0">
-              <a:lnSpc>
-                <a:spcPct val="115000"/>
-              </a:lnSpc>
-              <a:spcBef>
-                <a:spcPts val="480"/>
-              </a:spcBef>
-              <a:buClr>
-                <a:schemeClr val="dk1"/>
-              </a:buClr>
-              <a:buSzPct val="100000"/>
-              <a:buFont typeface="Courier New"/>
-              <a:buChar char="o"/>
-            </a:pPr>
-            <a:r>
-              <a:rPr lang="en" sz="2000" dirty="0"/>
-              <a:t>Doesn't use </a:t>
-            </a:r>
-            <a:r>
-              <a:rPr lang="en" sz="2000" dirty="0" smtClean="0"/>
-              <a:t>information</a:t>
-            </a:r>
-            <a:r>
-              <a:rPr lang="en-US" sz="2000" dirty="0" smtClean="0"/>
-              <a:t> present</a:t>
-            </a:r>
-            <a:r>
-              <a:rPr lang="en" sz="2000" dirty="0" smtClean="0"/>
-              <a:t> </a:t>
-            </a:r>
-            <a:r>
-              <a:rPr lang="en" sz="2000" dirty="0"/>
-              <a:t>in link structure</a:t>
-            </a:r>
-          </a:p>
-          <a:p>
-            <a:pPr marL="914400" lvl="1" indent="-381000" rtl="0">
-              <a:lnSpc>
-                <a:spcPct val="115000"/>
-              </a:lnSpc>
-              <a:spcBef>
-                <a:spcPts val="480"/>
-              </a:spcBef>
-              <a:buClr>
-                <a:schemeClr val="dk1"/>
-              </a:buClr>
-              <a:buSzPct val="100000"/>
-              <a:buFont typeface="Courier New"/>
-              <a:buChar char="o"/>
-            </a:pPr>
-            <a:r>
-              <a:rPr lang="en-US" sz="2000" dirty="0" smtClean="0"/>
-              <a:t>During training, </a:t>
-            </a:r>
-            <a:r>
-              <a:rPr lang="en-US" sz="2000" dirty="0"/>
-              <a:t>e</a:t>
-            </a:r>
-            <a:r>
-              <a:rPr lang="en" sz="2000" dirty="0" smtClean="0"/>
-              <a:t>ach </a:t>
-            </a:r>
-            <a:r>
-              <a:rPr lang="en" sz="2000" dirty="0"/>
-              <a:t>article is associated with just one grid </a:t>
-            </a:r>
-            <a:r>
-              <a:rPr lang="en" sz="2000" dirty="0" smtClean="0"/>
-              <a:t>cell</a:t>
-            </a:r>
-            <a:endParaRPr lang="en-US" sz="2000" dirty="0" smtClean="0"/>
-          </a:p>
-          <a:p>
-            <a:pPr marL="1314450" lvl="2" indent="-381000">
-              <a:lnSpc>
-                <a:spcPct val="115000"/>
-              </a:lnSpc>
-              <a:spcBef>
-                <a:spcPts val="480"/>
-              </a:spcBef>
-              <a:buClr>
-                <a:schemeClr val="dk1"/>
-              </a:buClr>
-              <a:buFont typeface="Courier New"/>
-              <a:buChar char="o"/>
-            </a:pPr>
-            <a:r>
-              <a:rPr lang="en-US" sz="2000" dirty="0" smtClean="0"/>
-              <a:t>I.e.</a:t>
-            </a:r>
-            <a:r>
-              <a:rPr lang="en-US" sz="2000" dirty="0" smtClean="0"/>
-              <a:t>, the cell that the article’s coordinates fall in.</a:t>
-            </a:r>
-          </a:p>
-          <a:p>
-            <a:pPr marL="1314450" lvl="2" indent="-381000">
-              <a:lnSpc>
-                <a:spcPct val="115000"/>
-              </a:lnSpc>
-              <a:spcBef>
-                <a:spcPts val="480"/>
-              </a:spcBef>
-              <a:buClr>
-                <a:schemeClr val="dk1"/>
-              </a:buClr>
-              <a:buFont typeface="Courier New"/>
-              <a:buChar char="o"/>
-            </a:pPr>
-            <a:r>
-              <a:rPr lang="en" sz="2000" dirty="0" smtClean="0"/>
-              <a:t>What's </a:t>
-            </a:r>
-            <a:r>
-              <a:rPr lang="en" sz="2000" dirty="0"/>
-              <a:t>the </a:t>
-            </a:r>
-            <a:r>
-              <a:rPr lang="en-US" sz="2000" dirty="0" smtClean="0"/>
-              <a:t>correct cell </a:t>
-            </a:r>
-            <a:r>
-              <a:rPr lang="en" sz="2000" dirty="0" smtClean="0"/>
-              <a:t>for </a:t>
-            </a:r>
-            <a:r>
-              <a:rPr lang="en" sz="2000" dirty="0"/>
-              <a:t>Texas</a:t>
-            </a:r>
-            <a:r>
-              <a:rPr lang="en" sz="2000" dirty="0" smtClean="0"/>
-              <a:t>?</a:t>
-            </a:r>
-            <a:endParaRPr lang="en-US" sz="2000" dirty="0" smtClean="0"/>
-          </a:p>
-          <a:p>
-            <a:pPr marL="1314450" lvl="2" indent="-381000">
-              <a:lnSpc>
-                <a:spcPct val="115000"/>
-              </a:lnSpc>
-              <a:spcBef>
-                <a:spcPts val="480"/>
-              </a:spcBef>
-              <a:buClr>
-                <a:schemeClr val="dk1"/>
-              </a:buClr>
-              <a:buFont typeface="Courier New"/>
-              <a:buChar char="o"/>
-            </a:pPr>
-            <a:r>
-              <a:rPr lang="en-US" sz="2000" dirty="0" smtClean="0"/>
-              <a:t>What cell should the article about Nile river be associated with?</a:t>
-            </a:r>
-            <a:endParaRPr lang="en" sz="2000" dirty="0"/>
-          </a:p>
-          <a:p>
-            <a:endParaRPr lang="en" sz="2400" dirty="0"/>
+              <a:rPr lang="en" dirty="0"/>
+              <a:t>What about </a:t>
+            </a:r>
+            <a:r>
+              <a:rPr lang="en" dirty="0" smtClean="0"/>
+              <a:t>Sam </a:t>
+            </a:r>
+            <a:r>
+              <a:rPr lang="en" dirty="0"/>
+              <a:t>Houston?</a:t>
+            </a:r>
+          </a:p>
+          <a:p>
+            <a:endParaRPr lang="en" dirty="0"/>
           </a:p>
         </p:txBody>
       </p:sp>
@@ -13084,7 +13093,7 @@
   <p:cSld>
     <p:spTree>
       <p:nvGrpSpPr>
-        <p:cNvPr id="1" name="Shape 52"/>
+        <p:cNvPr id="1" name="Shape 58"/>
         <p:cNvGrpSpPr/>
         <p:nvPr/>
       </p:nvGrpSpPr>
@@ -13098,7 +13107,7 @@
       </p:grpSpPr>
       <p:sp>
         <p:nvSpPr>
-          <p:cNvPr id="53" name="Shape 53"/>
+          <p:cNvPr id="59" name="Shape 59"/>
           <p:cNvSpPr txBox="1">
             <a:spLocks noGrp="1"/>
           </p:cNvSpPr>
@@ -13107,6 +13116,10 @@
           </p:nvPr>
         </p:nvSpPr>
         <p:spPr>
+          <a:xfrm>
+            <a:off x="457200" y="679004"/>
+            <a:ext cx="8229600" cy="738633"/>
+          </a:xfrm>
           <a:prstGeom prst="rect">
             <a:avLst/>
           </a:prstGeom>
@@ -13121,15 +13134,20 @@
               <a:buNone/>
             </a:pPr>
             <a:r>
-              <a:rPr lang="en"/>
-              <a:t>Example: Texan Cities</a:t>
-            </a:r>
-          </a:p>
-        </p:txBody>
-      </p:sp>
-      <p:sp>
-        <p:nvSpPr>
-          <p:cNvPr id="54" name="Shape 54"/>
+              <a:rPr lang="en-US" dirty="0" smtClean="0"/>
+              <a:t>Using the </a:t>
+            </a:r>
+            <a:r>
+              <a:rPr lang="en" dirty="0" smtClean="0"/>
+              <a:t>Link Structure</a:t>
+            </a:r>
+            <a:endParaRPr lang="en" dirty="0"/>
+          </a:p>
+        </p:txBody>
+      </p:sp>
+      <p:sp>
+        <p:nvSpPr>
+          <p:cNvPr id="60" name="Shape 60"/>
           <p:cNvSpPr txBox="1">
             <a:spLocks noGrp="1"/>
           </p:cNvSpPr>
@@ -13138,10 +13156,6 @@
           </p:nvPr>
         </p:nvSpPr>
         <p:spPr>
-          <a:xfrm>
-            <a:off x="583048" y="1613038"/>
-            <a:ext cx="8229600" cy="2360100"/>
-          </a:xfrm>
           <a:prstGeom prst="rect">
             <a:avLst/>
           </a:prstGeom>
@@ -13152,46 +13166,10 @@
           </a:bodyPr>
           <a:lstStyle/>
           <a:p>
-            <a:pPr lvl="0" rtl="0">
-              <a:buNone/>
-            </a:pPr>
-            <a:r>
-              <a:rPr lang="en" dirty="0"/>
-              <a:t>Texas: 31°N 100°W</a:t>
-            </a:r>
-          </a:p>
-          <a:p>
-            <a:pPr lvl="0" rtl="0">
-              <a:buNone/>
-            </a:pPr>
-            <a:r>
-              <a:rPr lang="en" dirty="0"/>
-              <a:t>Austin: 30°15′N 97°45′W</a:t>
-            </a:r>
-          </a:p>
-          <a:p>
-            <a:pPr lvl="0" rtl="0">
-              <a:buNone/>
-            </a:pPr>
-            <a:r>
-              <a:rPr lang="en" dirty="0"/>
-              <a:t>Houston: 29° 45′ 46″ N, 95° 22′ 59″ W</a:t>
-            </a:r>
-          </a:p>
-          <a:p>
-            <a:pPr lvl="0" rtl="0">
-              <a:buNone/>
-            </a:pPr>
-            <a:r>
-              <a:rPr lang="en" dirty="0"/>
-              <a:t>El Paso: 31° 47′ 25″ N, 106° 25′ 24″ W</a:t>
-            </a:r>
-          </a:p>
-          <a:p>
-            <a:endParaRPr lang="en" dirty="0"/>
-          </a:p>
-          <a:p>
             <a:pPr marL="457200" lvl="0" indent="-419100" rtl="0">
+              <a:lnSpc>
+                <a:spcPct val="115000"/>
+              </a:lnSpc>
               <a:buClr>
                 <a:schemeClr val="dk1"/>
               </a:buClr>
@@ -13200,12 +13178,15 @@
               <a:buChar char="•"/>
             </a:pPr>
             <a:r>
-              <a:rPr lang="en" dirty="0"/>
-              <a:t>Texas refers to all these pages!</a:t>
+              <a:rPr lang="en"/>
+              <a:t>Wikipedia articles link to each other</a:t>
             </a:r>
           </a:p>
           <a:p>
             <a:pPr marL="457200" lvl="0" indent="-419100" rtl="0">
+              <a:lnSpc>
+                <a:spcPct val="115000"/>
+              </a:lnSpc>
               <a:buClr>
                 <a:schemeClr val="dk1"/>
               </a:buClr>
@@ -13214,12 +13195,77 @@
               <a:buChar char="•"/>
             </a:pPr>
             <a:r>
-              <a:rPr lang="en" dirty="0"/>
-              <a:t>What about ... Sam Houston?</a:t>
-            </a:r>
-          </a:p>
-          <a:p>
-            <a:endParaRPr lang="en" dirty="0"/>
+              <a:rPr lang="en"/>
+              <a:t>Our Hypothesis: </a:t>
+            </a:r>
+          </a:p>
+          <a:p>
+            <a:pPr marL="914400" lvl="1" indent="-381000" rtl="0">
+              <a:lnSpc>
+                <a:spcPct val="115000"/>
+              </a:lnSpc>
+              <a:buClr>
+                <a:schemeClr val="dk1"/>
+              </a:buClr>
+              <a:buSzPct val="80000"/>
+              <a:buFont typeface="Courier New"/>
+              <a:buChar char="o"/>
+            </a:pPr>
+            <a:r>
+              <a:rPr lang="en"/>
+              <a:t>Articles link to other geographically related articles.</a:t>
+            </a:r>
+          </a:p>
+          <a:p>
+            <a:pPr marL="914400" lvl="1" indent="-381000" rtl="0">
+              <a:lnSpc>
+                <a:spcPct val="115000"/>
+              </a:lnSpc>
+              <a:buClr>
+                <a:schemeClr val="dk1"/>
+              </a:buClr>
+              <a:buSzPct val="80000"/>
+              <a:buFont typeface="Courier New"/>
+              <a:buChar char="o"/>
+            </a:pPr>
+            <a:r>
+              <a:rPr lang="en"/>
+              <a:t>Article text associated with more than single location</a:t>
+            </a:r>
+          </a:p>
+          <a:p>
+            <a:pPr marL="914400" lvl="1" indent="-381000" rtl="0">
+              <a:lnSpc>
+                <a:spcPct val="115000"/>
+              </a:lnSpc>
+              <a:buClr>
+                <a:schemeClr val="dk1"/>
+              </a:buClr>
+              <a:buSzPct val="80000"/>
+              <a:buFont typeface="Courier New"/>
+              <a:buChar char="o"/>
+            </a:pPr>
+            <a:r>
+              <a:rPr lang="en"/>
+              <a:t>Non-geotagged articles can contribute to language models for grid cells.</a:t>
+            </a:r>
+          </a:p>
+          <a:p>
+            <a:pPr marL="457200" lvl="0" indent="-419100">
+              <a:lnSpc>
+                <a:spcPct val="115000"/>
+              </a:lnSpc>
+              <a:buClr>
+                <a:schemeClr val="dk1"/>
+              </a:buClr>
+              <a:buSzPct val="166666"/>
+              <a:buFont typeface="Arial"/>
+              <a:buChar char="•"/>
+            </a:pPr>
+            <a:r>
+              <a:rPr lang="en"/>
+              <a:t>Goal: Augment/smooth language models for grid cells used in textgrounder with language models of related grid cells.</a:t>
+            </a:r>
           </a:p>
         </p:txBody>
       </p:sp>
@@ -13239,7 +13285,7 @@
   <p:cSld>
     <p:spTree>
       <p:nvGrpSpPr>
-        <p:cNvPr id="1" name="Shape 58"/>
+        <p:cNvPr id="1" name="Shape 64"/>
         <p:cNvGrpSpPr/>
         <p:nvPr/>
       </p:nvGrpSpPr>
@@ -13253,155 +13299,35 @@
       </p:grpSpPr>
       <p:sp>
         <p:nvSpPr>
-          <p:cNvPr id="59" name="Shape 59"/>
-          <p:cNvSpPr txBox="1">
-            <a:spLocks noGrp="1"/>
-          </p:cNvSpPr>
-          <p:nvPr>
-            <p:ph type="title"/>
-          </p:nvPr>
-        </p:nvSpPr>
-        <p:spPr>
+          <p:cNvPr id="65" name="Shape 65"/>
+          <p:cNvSpPr txBox="1"/>
+          <p:nvPr/>
+        </p:nvSpPr>
+        <p:spPr>
+          <a:xfrm>
+            <a:off x="2843185" y="2990629"/>
+            <a:ext cx="3494977" cy="861744"/>
+          </a:xfrm>
           <a:prstGeom prst="rect">
             <a:avLst/>
           </a:prstGeom>
         </p:spPr>
         <p:txBody>
-          <a:bodyPr lIns="91425" tIns="91425" rIns="91425" bIns="91425" anchor="b" anchorCtr="0">
+          <a:bodyPr wrap="square" lIns="91425" tIns="91425" rIns="91425" bIns="91425" anchor="ctr" anchorCtr="0">
             <a:spAutoFit/>
           </a:bodyPr>
           <a:lstStyle/>
           <a:p>
-            <a:pPr>
+            <a:pPr lvl="0" algn="ctr" rtl="0">
               <a:buNone/>
             </a:pPr>
             <a:r>
-              <a:rPr lang="en"/>
-              <a:t>Link Structure Information</a:t>
-            </a:r>
-          </a:p>
-        </p:txBody>
-      </p:sp>
-      <p:sp>
-        <p:nvSpPr>
-          <p:cNvPr id="60" name="Shape 60"/>
-          <p:cNvSpPr txBox="1">
-            <a:spLocks noGrp="1"/>
-          </p:cNvSpPr>
-          <p:nvPr>
-            <p:ph type="body" idx="1"/>
-          </p:nvPr>
-        </p:nvSpPr>
-        <p:spPr>
-          <a:prstGeom prst="rect">
-            <a:avLst/>
-          </a:prstGeom>
-        </p:spPr>
-        <p:txBody>
-          <a:bodyPr lIns="91425" tIns="91425" rIns="91425" bIns="91425" anchor="t" anchorCtr="0">
-            <a:spAutoFit/>
-          </a:bodyPr>
-          <a:lstStyle/>
-          <a:p>
-            <a:pPr marL="457200" lvl="0" indent="-419100" rtl="0">
-              <a:lnSpc>
-                <a:spcPct val="115000"/>
-              </a:lnSpc>
-              <a:buClr>
-                <a:schemeClr val="dk1"/>
-              </a:buClr>
-              <a:buSzPct val="166666"/>
-              <a:buFont typeface="Arial"/>
-              <a:buChar char="•"/>
-            </a:pPr>
-            <a:r>
-              <a:rPr lang="en"/>
-              <a:t>Wikipedia articles link to each other</a:t>
-            </a:r>
-          </a:p>
-          <a:p>
-            <a:pPr marL="457200" lvl="0" indent="-419100" rtl="0">
-              <a:lnSpc>
-                <a:spcPct val="115000"/>
-              </a:lnSpc>
-              <a:buClr>
-                <a:schemeClr val="dk1"/>
-              </a:buClr>
-              <a:buSzPct val="166666"/>
-              <a:buFont typeface="Arial"/>
-              <a:buChar char="•"/>
-            </a:pPr>
-            <a:r>
-              <a:rPr lang="en"/>
-              <a:t>Our Hypothesis: </a:t>
-            </a:r>
-          </a:p>
-          <a:p>
-            <a:pPr marL="914400" lvl="1" indent="-381000" rtl="0">
-              <a:lnSpc>
-                <a:spcPct val="115000"/>
-              </a:lnSpc>
-              <a:buClr>
-                <a:schemeClr val="dk1"/>
-              </a:buClr>
-              <a:buSzPct val="80000"/>
-              <a:buFont typeface="Courier New"/>
-              <a:buChar char="o"/>
-            </a:pPr>
-            <a:r>
-              <a:rPr lang="en"/>
-              <a:t>Articles link to other geographically related articles.</a:t>
-            </a:r>
-          </a:p>
-          <a:p>
-            <a:pPr marL="914400" lvl="1" indent="-381000" rtl="0">
-              <a:lnSpc>
-                <a:spcPct val="115000"/>
-              </a:lnSpc>
-              <a:buClr>
-                <a:schemeClr val="dk1"/>
-              </a:buClr>
-              <a:buSzPct val="80000"/>
-              <a:buFont typeface="Courier New"/>
-              <a:buChar char="o"/>
-            </a:pPr>
-            <a:r>
-              <a:rPr lang="en"/>
-              <a:t>Article text associated with more than single location</a:t>
-            </a:r>
-          </a:p>
-          <a:p>
-            <a:pPr marL="914400" lvl="1" indent="-381000" rtl="0">
-              <a:lnSpc>
-                <a:spcPct val="115000"/>
-              </a:lnSpc>
-              <a:buClr>
-                <a:schemeClr val="dk1"/>
-              </a:buClr>
-              <a:buSzPct val="80000"/>
-              <a:buFont typeface="Courier New"/>
-              <a:buChar char="o"/>
-            </a:pPr>
-            <a:r>
-              <a:rPr lang="en"/>
-              <a:t>Non-geotagged articles can contribute to language models for grid cells.</a:t>
-            </a:r>
-          </a:p>
-          <a:p>
-            <a:pPr marL="457200" lvl="0" indent="-419100">
-              <a:lnSpc>
-                <a:spcPct val="115000"/>
-              </a:lnSpc>
-              <a:buClr>
-                <a:schemeClr val="dk1"/>
-              </a:buClr>
-              <a:buSzPct val="166666"/>
-              <a:buFont typeface="Arial"/>
-              <a:buChar char="•"/>
-            </a:pPr>
-            <a:r>
-              <a:rPr lang="en"/>
-              <a:t>Goal: Augment/smooth language models for grid cells used in textgrounder with language models of related grid cells.</a:t>
+              <a:rPr lang="en" sz="4400" dirty="0">
+                <a:solidFill>
+                  <a:schemeClr val="dk1"/>
+                </a:solidFill>
+              </a:rPr>
+              <a:t>Methodology</a:t>
             </a:r>
           </a:p>
         </p:txBody>
@@ -13422,7 +13348,7 @@
   <p:cSld>
     <p:spTree>
       <p:nvGrpSpPr>
-        <p:cNvPr id="1" name="Shape 64"/>
+        <p:cNvPr id="1" name="Shape 75"/>
         <p:cNvGrpSpPr/>
         <p:nvPr/>
       </p:nvGrpSpPr>
@@ -13436,36 +13362,230 @@
       </p:grpSpPr>
       <p:sp>
         <p:nvSpPr>
-          <p:cNvPr id="65" name="Shape 65"/>
-          <p:cNvSpPr txBox="1"/>
-          <p:nvPr/>
-        </p:nvSpPr>
-        <p:spPr>
-          <a:xfrm>
-            <a:off x="2843185" y="2990629"/>
-            <a:ext cx="3494977" cy="861744"/>
-          </a:xfrm>
+          <p:cNvPr id="76" name="Shape 76"/>
+          <p:cNvSpPr txBox="1">
+            <a:spLocks noGrp="1"/>
+          </p:cNvSpPr>
+          <p:nvPr>
+            <p:ph type="title"/>
+          </p:nvPr>
+        </p:nvSpPr>
+        <p:spPr>
           <a:prstGeom prst="rect">
             <a:avLst/>
           </a:prstGeom>
         </p:spPr>
         <p:txBody>
-          <a:bodyPr wrap="square" lIns="91425" tIns="91425" rIns="91425" bIns="91425" anchor="ctr" anchorCtr="0">
+          <a:bodyPr lIns="91425" tIns="91425" rIns="91425" bIns="91425" anchor="b" anchorCtr="0">
             <a:spAutoFit/>
           </a:bodyPr>
           <a:lstStyle/>
           <a:p>
-            <a:pPr lvl="0" algn="ctr" rtl="0">
+            <a:pPr>
               <a:buNone/>
             </a:pPr>
             <a:r>
-              <a:rPr lang="en" sz="4400" dirty="0">
-                <a:solidFill>
-                  <a:schemeClr val="dk1"/>
-                </a:solidFill>
-              </a:rPr>
-              <a:t>Methodology</a:t>
-            </a:r>
+              <a:rPr lang="en" dirty="0"/>
+              <a:t>Dataset </a:t>
+            </a:r>
+            <a:r>
+              <a:rPr lang="en" dirty="0" smtClean="0"/>
+              <a:t>&amp; Statistics</a:t>
+            </a:r>
+            <a:endParaRPr lang="en" dirty="0"/>
+          </a:p>
+        </p:txBody>
+      </p:sp>
+      <p:sp>
+        <p:nvSpPr>
+          <p:cNvPr id="77" name="Shape 77"/>
+          <p:cNvSpPr txBox="1">
+            <a:spLocks noGrp="1"/>
+          </p:cNvSpPr>
+          <p:nvPr>
+            <p:ph type="body" idx="1"/>
+          </p:nvPr>
+        </p:nvSpPr>
+        <p:spPr>
+          <a:xfrm>
+            <a:off x="457200" y="1600200"/>
+            <a:ext cx="8229600" cy="4755118"/>
+          </a:xfrm>
+          <a:prstGeom prst="rect">
+            <a:avLst/>
+          </a:prstGeom>
+        </p:spPr>
+        <p:txBody>
+          <a:bodyPr lIns="91425" tIns="91425" rIns="91425" bIns="91425" anchor="t" anchorCtr="0">
+            <a:spAutoFit/>
+          </a:bodyPr>
+          <a:lstStyle/>
+          <a:p>
+            <a:r>
+              <a:rPr lang="en" dirty="0"/>
+              <a:t>Wikipedia Dump, March 2012</a:t>
+            </a:r>
+          </a:p>
+          <a:p>
+            <a:r>
+              <a:rPr lang="en" dirty="0" smtClean="0"/>
+              <a:t>Grid </a:t>
+            </a:r>
+            <a:r>
+              <a:rPr lang="en" dirty="0"/>
+              <a:t>Cells</a:t>
+            </a:r>
+          </a:p>
+          <a:p>
+            <a:pPr lvl="1"/>
+            <a:r>
+              <a:rPr lang="en" dirty="0" smtClean="0"/>
+              <a:t>Grid size</a:t>
+            </a:r>
+            <a:r>
+              <a:rPr lang="en-US" dirty="0" smtClean="0"/>
+              <a:t> – 1 degree (might be too large)</a:t>
+            </a:r>
+            <a:endParaRPr lang="en" dirty="0"/>
+          </a:p>
+          <a:p>
+            <a:pPr lvl="1"/>
+            <a:r>
+              <a:rPr lang="en" dirty="0" smtClean="0"/>
+              <a:t>Grid</a:t>
+            </a:r>
+            <a:r>
+              <a:rPr lang="en-US" dirty="0" smtClean="0"/>
+              <a:t> </a:t>
+            </a:r>
+            <a:r>
+              <a:rPr lang="en-US" dirty="0"/>
+              <a:t>cells – </a:t>
+            </a:r>
+            <a:r>
+              <a:rPr lang="en-US" dirty="0" smtClean="0"/>
+              <a:t>64,800 </a:t>
+            </a:r>
+            <a:endParaRPr lang="en-US" dirty="0" smtClean="0"/>
+          </a:p>
+          <a:p>
+            <a:pPr lvl="1"/>
+            <a:r>
+              <a:rPr lang="en" dirty="0" smtClean="0"/>
+              <a:t>Non </a:t>
+            </a:r>
+            <a:r>
+              <a:rPr lang="en" dirty="0"/>
+              <a:t>Empty Grid </a:t>
+            </a:r>
+            <a:r>
+              <a:rPr lang="en" dirty="0" smtClean="0"/>
+              <a:t>Cells</a:t>
+            </a:r>
+            <a:r>
+              <a:rPr lang="en-US" dirty="0"/>
+              <a:t> – </a:t>
+            </a:r>
+            <a:r>
+              <a:rPr lang="en-US" dirty="0" smtClean="0"/>
+              <a:t>15,982 (24.66 %)</a:t>
+            </a:r>
+          </a:p>
+          <a:p>
+            <a:pPr lvl="1"/>
+            <a:r>
+              <a:rPr lang="en-US" dirty="0" smtClean="0"/>
+              <a:t>Cell </a:t>
+            </a:r>
+            <a:r>
+              <a:rPr lang="en-US" dirty="0"/>
+              <a:t>size – </a:t>
+            </a:r>
+            <a:r>
+              <a:rPr lang="en-US" dirty="0" smtClean="0"/>
+              <a:t>A</a:t>
+            </a:r>
+            <a:r>
+              <a:rPr lang="en-US" dirty="0" smtClean="0"/>
+              <a:t>pprox. 100km x 100km</a:t>
+            </a:r>
+            <a:endParaRPr lang="en" dirty="0" smtClean="0"/>
+          </a:p>
+          <a:p>
+            <a:r>
+              <a:rPr lang="en-US" dirty="0" smtClean="0"/>
+              <a:t>Geo-tagged </a:t>
+            </a:r>
+            <a:r>
+              <a:rPr lang="en-US" dirty="0" smtClean="0"/>
+              <a:t>Graph</a:t>
+            </a:r>
+          </a:p>
+          <a:p>
+            <a:pPr lvl="1"/>
+            <a:r>
+              <a:rPr lang="en-US" dirty="0" smtClean="0"/>
+              <a:t>Total </a:t>
+            </a:r>
+            <a:r>
+              <a:rPr lang="en-US" dirty="0"/>
+              <a:t>vertices: </a:t>
+            </a:r>
+            <a:r>
+              <a:rPr lang="en-US" dirty="0" smtClean="0"/>
+              <a:t>273,606</a:t>
+            </a:r>
+            <a:endParaRPr lang="en-US" dirty="0"/>
+          </a:p>
+          <a:p>
+            <a:pPr lvl="1"/>
+            <a:r>
+              <a:rPr lang="en-US" dirty="0"/>
+              <a:t>Total edges: </a:t>
+            </a:r>
+            <a:r>
+              <a:rPr lang="en-US" dirty="0" smtClean="0"/>
+              <a:t>2,188,860</a:t>
+            </a:r>
+            <a:endParaRPr lang="en-US" dirty="0"/>
+          </a:p>
+          <a:p>
+            <a:pPr lvl="1"/>
+            <a:r>
+              <a:rPr lang="en-US" dirty="0"/>
+              <a:t>Average degree: </a:t>
+            </a:r>
+            <a:r>
+              <a:rPr lang="en-US" dirty="0" smtClean="0"/>
+              <a:t>8.00</a:t>
+            </a:r>
+            <a:endParaRPr lang="en-US" dirty="0"/>
+          </a:p>
+          <a:p>
+            <a:pPr lvl="1"/>
+            <a:r>
+              <a:rPr lang="en-US" dirty="0"/>
+              <a:t>Min degree: </a:t>
+            </a:r>
+            <a:r>
+              <a:rPr lang="en-US" dirty="0" smtClean="0"/>
+              <a:t>1; </a:t>
+            </a:r>
+            <a:r>
+              <a:rPr lang="en-US" dirty="0"/>
+              <a:t>Max degree: </a:t>
+            </a:r>
+            <a:r>
+              <a:rPr lang="en-US" dirty="0" smtClean="0"/>
+              <a:t>21,353</a:t>
+            </a:r>
+            <a:endParaRPr lang="en" dirty="0"/>
+          </a:p>
+          <a:p>
+            <a:pPr marL="457200" lvl="1" indent="0">
+              <a:buNone/>
+            </a:pPr>
+            <a:endParaRPr lang="en-US" dirty="0"/>
           </a:p>
         </p:txBody>
       </p:sp>
@@ -13485,7 +13605,7 @@
   <p:cSld>
     <p:spTree>
       <p:nvGrpSpPr>
-        <p:cNvPr id="1" name="Shape 75"/>
+        <p:cNvPr id="1" name="Shape 69"/>
         <p:cNvGrpSpPr/>
         <p:nvPr/>
       </p:nvGrpSpPr>
@@ -13499,7 +13619,7 @@
       </p:grpSpPr>
       <p:sp>
         <p:nvSpPr>
-          <p:cNvPr id="76" name="Shape 76"/>
+          <p:cNvPr id="70" name="Shape 70"/>
           <p:cNvSpPr txBox="1">
             <a:spLocks noGrp="1"/>
           </p:cNvSpPr>
@@ -13523,14 +13643,14 @@
             </a:pPr>
             <a:r>
               <a:rPr lang="en"/>
-              <a:t>Dataset &amp; Statistics</a:t>
-            </a:r>
-          </a:p>
-        </p:txBody>
-      </p:sp>
-      <p:sp>
-        <p:nvSpPr>
-          <p:cNvPr id="77" name="Shape 77"/>
+              <a:t>Label Propagation</a:t>
+            </a:r>
+          </a:p>
+        </p:txBody>
+      </p:sp>
+      <p:sp>
+        <p:nvSpPr>
+          <p:cNvPr id="71" name="Shape 71"/>
           <p:cNvSpPr txBox="1">
             <a:spLocks noGrp="1"/>
           </p:cNvSpPr>
@@ -13540,8 +13660,8 @@
         </p:nvSpPr>
         <p:spPr>
           <a:xfrm>
-            <a:off x="457200" y="1600200"/>
-            <a:ext cx="8229600" cy="3693288"/>
+            <a:off x="457200" y="1727200"/>
+            <a:ext cx="8229600" cy="2831514"/>
           </a:xfrm>
           <a:prstGeom prst="rect">
             <a:avLst/>
@@ -13553,100 +13673,81 @@
           </a:bodyPr>
           <a:lstStyle/>
           <a:p>
-            <a:r>
-              <a:rPr lang="en" dirty="0"/>
-              <a:t>Wikipedia Dump, March 2012</a:t>
-            </a:r>
-          </a:p>
-          <a:p>
-            <a:pPr lvl="1"/>
-            <a:r>
-              <a:rPr lang="en" dirty="0" smtClean="0"/>
-              <a:t>Articles</a:t>
-            </a:r>
-            <a:endParaRPr lang="en" dirty="0"/>
-          </a:p>
-          <a:p>
-            <a:pPr lvl="1"/>
-            <a:r>
-              <a:rPr lang="en" dirty="0" smtClean="0"/>
-              <a:t>Useful </a:t>
-            </a:r>
-            <a:r>
-              <a:rPr lang="en" dirty="0"/>
-              <a:t>Articles</a:t>
-            </a:r>
-          </a:p>
-          <a:p>
-            <a:pPr lvl="1"/>
-            <a:r>
-              <a:rPr lang="en" dirty="0" smtClean="0"/>
-              <a:t>Geotagged Articles</a:t>
-            </a:r>
-            <a:endParaRPr lang="en" dirty="0"/>
-          </a:p>
-          <a:p>
-            <a:r>
-              <a:rPr lang="en" dirty="0" smtClean="0"/>
-              <a:t>Grid </a:t>
-            </a:r>
-            <a:r>
-              <a:rPr lang="en" dirty="0"/>
-              <a:t>Cells</a:t>
-            </a:r>
-          </a:p>
-          <a:p>
-            <a:pPr lvl="1"/>
-            <a:r>
-              <a:rPr lang="en" dirty="0" smtClean="0"/>
-              <a:t>Grid </a:t>
-            </a:r>
-            <a:r>
-              <a:rPr lang="en" dirty="0"/>
-              <a:t>size</a:t>
-            </a:r>
-          </a:p>
-          <a:p>
-            <a:pPr lvl="1"/>
-            <a:r>
-              <a:rPr lang="en" dirty="0" smtClean="0"/>
-              <a:t>Grid </a:t>
-            </a:r>
-            <a:r>
-              <a:rPr lang="en" dirty="0"/>
-              <a:t>Cells, # Non Empty Grid </a:t>
-            </a:r>
-            <a:r>
-              <a:rPr lang="en" dirty="0" smtClean="0"/>
-              <a:t>Cells</a:t>
-            </a:r>
-            <a:endParaRPr lang="en-US" dirty="0" smtClean="0"/>
-          </a:p>
-          <a:p>
-            <a:pPr lvl="1"/>
-            <a:r>
-              <a:rPr lang="en-US" dirty="0" smtClean="0"/>
-              <a:t>1 degree -&gt; </a:t>
-            </a:r>
-            <a:r>
-              <a:rPr lang="en-US" dirty="0" err="1" smtClean="0"/>
-              <a:t>approx</a:t>
-            </a:r>
-            <a:r>
-              <a:rPr lang="en-US" dirty="0" smtClean="0"/>
-              <a:t> 100x100km</a:t>
-            </a:r>
-            <a:endParaRPr lang="en" dirty="0" smtClean="0"/>
-          </a:p>
-          <a:p>
-            <a:r>
-              <a:rPr lang="en" dirty="0" smtClean="0"/>
-              <a:t># </a:t>
-            </a:r>
-            <a:r>
-              <a:rPr lang="en" dirty="0"/>
-              <a:t>Grid cells documents distribution</a:t>
-            </a:r>
+            <a:pPr marL="457200" indent="-419100">
+              <a:lnSpc>
+                <a:spcPct val="150000"/>
+              </a:lnSpc>
+              <a:buClr>
+                <a:schemeClr val="dk1"/>
+              </a:buClr>
+              <a:buSzPct val="166666"/>
+              <a:buFont typeface="Arial"/>
+              <a:buChar char="•"/>
+            </a:pPr>
+            <a:r>
+              <a:rPr lang="en" sz="2400" dirty="0"/>
+              <a:t>Iterative, </a:t>
+            </a:r>
+            <a:r>
+              <a:rPr lang="en-US" sz="2400" dirty="0"/>
+              <a:t>Graph based </a:t>
+            </a:r>
+            <a:r>
+              <a:rPr lang="en" sz="2400" dirty="0"/>
+              <a:t>semi-supervised </a:t>
+            </a:r>
+            <a:r>
+              <a:rPr lang="en" sz="2400" dirty="0" smtClean="0"/>
+              <a:t>algorithm</a:t>
+            </a:r>
+            <a:endParaRPr lang="en-US" sz="2400" dirty="0" smtClean="0"/>
+          </a:p>
+          <a:p>
+            <a:pPr marL="457200" lvl="0" indent="-419100" rtl="0">
+              <a:lnSpc>
+                <a:spcPct val="150000"/>
+              </a:lnSpc>
+              <a:buClr>
+                <a:schemeClr val="dk1"/>
+              </a:buClr>
+              <a:buSzPct val="166666"/>
+              <a:buFont typeface="Arial"/>
+              <a:buChar char="•"/>
+            </a:pPr>
+            <a:r>
+              <a:rPr lang="en-US" sz="2400" dirty="0" smtClean="0"/>
+              <a:t>F</a:t>
+            </a:r>
+            <a:r>
+              <a:rPr lang="en" sz="2400" dirty="0" smtClean="0"/>
+              <a:t>or </a:t>
+            </a:r>
+            <a:r>
+              <a:rPr lang="en" sz="2400" dirty="0"/>
+              <a:t>distributing class labels around a graph.</a:t>
+            </a:r>
+          </a:p>
+          <a:p>
+            <a:pPr marL="457200" lvl="0" indent="-419100" rtl="0">
+              <a:lnSpc>
+                <a:spcPct val="150000"/>
+              </a:lnSpc>
+              <a:buClr>
+                <a:schemeClr val="dk1"/>
+              </a:buClr>
+              <a:buSzPct val="166666"/>
+              <a:buFont typeface="Arial"/>
+              <a:buChar char="•"/>
+            </a:pPr>
+            <a:r>
+              <a:rPr lang="en" sz="2400" dirty="0"/>
+              <a:t>Uses the link structure of the graph to </a:t>
+            </a:r>
+            <a:r>
+              <a:rPr lang="en-US" sz="2400" dirty="0" smtClean="0"/>
+              <a:t>“diffuse” labels from a set of seed nodes to unlabeled nodes</a:t>
+            </a:r>
+            <a:endParaRPr lang="en" sz="2400" dirty="0"/>
           </a:p>
         </p:txBody>
       </p:sp>

--- a/presentation/gmm-2012-presentation.pptx
+++ b/presentation/gmm-2012-presentation.pptx
@@ -19,11 +19,11 @@
     <p:sldId id="264" r:id="rId10"/>
     <p:sldId id="275" r:id="rId11"/>
     <p:sldId id="276" r:id="rId12"/>
-    <p:sldId id="267" r:id="rId13"/>
-    <p:sldId id="266" r:id="rId14"/>
+    <p:sldId id="266" r:id="rId13"/>
+    <p:sldId id="267" r:id="rId14"/>
     <p:sldId id="268" r:id="rId15"/>
-    <p:sldId id="273" r:id="rId16"/>
-    <p:sldId id="269" r:id="rId17"/>
+    <p:sldId id="269" r:id="rId16"/>
+    <p:sldId id="273" r:id="rId17"/>
     <p:sldId id="271" r:id="rId18"/>
     <p:sldId id="270" r:id="rId19"/>
   </p:sldIdLst>
@@ -2065,7 +2065,7 @@
   <p:cSld>
     <p:spTree>
       <p:nvGrpSpPr>
-        <p:cNvPr id="1" name="Shape 89"/>
+        <p:cNvPr id="1" name="Shape 83"/>
         <p:cNvGrpSpPr/>
         <p:nvPr/>
       </p:nvGrpSpPr>
@@ -2079,7 +2079,7 @@
       </p:grpSpPr>
       <p:sp>
         <p:nvSpPr>
-          <p:cNvPr id="90" name="Shape 90"/>
+          <p:cNvPr id="84" name="Shape 84"/>
           <p:cNvSpPr>
             <a:spLocks noGrp="1" noRot="1" noChangeAspect="1"/>
           </p:cNvSpPr>
@@ -2120,7 +2120,7 @@
       </p:sp>
       <p:sp>
         <p:nvSpPr>
-          <p:cNvPr id="91" name="Shape 91"/>
+          <p:cNvPr id="85" name="Shape 85"/>
           <p:cNvSpPr txBox="1">
             <a:spLocks noGrp="1"/>
           </p:cNvSpPr>
@@ -2160,7 +2160,7 @@
   <p:cSld>
     <p:spTree>
       <p:nvGrpSpPr>
-        <p:cNvPr id="1" name="Shape 83"/>
+        <p:cNvPr id="1" name="Shape 89"/>
         <p:cNvGrpSpPr/>
         <p:nvPr/>
       </p:nvGrpSpPr>
@@ -2174,7 +2174,7 @@
       </p:grpSpPr>
       <p:sp>
         <p:nvSpPr>
-          <p:cNvPr id="84" name="Shape 84"/>
+          <p:cNvPr id="90" name="Shape 90"/>
           <p:cNvSpPr>
             <a:spLocks noGrp="1" noRot="1" noChangeAspect="1"/>
           </p:cNvSpPr>
@@ -2215,7 +2215,7 @@
       </p:sp>
       <p:sp>
         <p:nvSpPr>
-          <p:cNvPr id="85" name="Shape 85"/>
+          <p:cNvPr id="91" name="Shape 91"/>
           <p:cNvSpPr txBox="1">
             <a:spLocks noGrp="1"/>
           </p:cNvSpPr>
@@ -10315,6 +10315,13 @@
   <p:transition xmlns:p14="http://schemas.microsoft.com/office/powerpoint/2010/main" spd="slow">
     <p:cut/>
   </p:transition>
+  <p:timing>
+    <p:tnLst>
+      <p:par>
+        <p:cTn xmlns:p14="http://schemas.microsoft.com/office/powerpoint/2010/main" id="1" dur="indefinite" restart="never" nodeType="tmRoot"/>
+      </p:par>
+    </p:tnLst>
+  </p:timing>
 </p:sld>
 </file>
 
@@ -10464,6 +10471,13 @@
   <p:clrMapOvr>
     <a:masterClrMapping/>
   </p:clrMapOvr>
+  <p:timing>
+    <p:tnLst>
+      <p:par>
+        <p:cTn xmlns:p14="http://schemas.microsoft.com/office/powerpoint/2010/main" id="1" dur="indefinite" restart="never" nodeType="tmRoot"/>
+      </p:par>
+    </p:tnLst>
+  </p:timing>
 </p:sld>
 </file>
 
@@ -10613,10 +10627,94 @@
   <p:clrMapOvr>
     <a:masterClrMapping/>
   </p:clrMapOvr>
+  <p:timing>
+    <p:tnLst>
+      <p:par>
+        <p:cTn xmlns:p14="http://schemas.microsoft.com/office/powerpoint/2010/main" id="1" dur="indefinite" restart="never" nodeType="tmRoot"/>
+      </p:par>
+    </p:tnLst>
+  </p:timing>
 </p:sld>
 </file>
 
 <file path=ppt/slides/slide12.xml><?xml version="1.0" encoding="utf-8"?>
+<p:sld xmlns:a="http://schemas.openxmlformats.org/drawingml/2006/main" xmlns:r="http://schemas.openxmlformats.org/officeDocument/2006/relationships" xmlns:p="http://schemas.openxmlformats.org/presentationml/2006/main">
+  <p:cSld>
+    <p:spTree>
+      <p:nvGrpSpPr>
+        <p:cNvPr id="1" name="Shape 81"/>
+        <p:cNvGrpSpPr/>
+        <p:nvPr/>
+      </p:nvGrpSpPr>
+      <p:grpSpPr>
+        <a:xfrm>
+          <a:off x="0" y="0"/>
+          <a:ext cx="0" cy="0"/>
+          <a:chOff x="0" y="0"/>
+          <a:chExt cx="0" cy="0"/>
+        </a:xfrm>
+      </p:grpSpPr>
+      <p:sp>
+        <p:nvSpPr>
+          <p:cNvPr id="82" name="Shape 82"/>
+          <p:cNvSpPr txBox="1">
+            <a:spLocks noGrp="1"/>
+          </p:cNvSpPr>
+          <p:nvPr>
+            <p:ph type="body" idx="1"/>
+          </p:nvPr>
+        </p:nvSpPr>
+        <p:spPr>
+          <a:xfrm>
+            <a:off x="3145200" y="2669883"/>
+            <a:ext cx="2853600" cy="861744"/>
+          </a:xfrm>
+          <a:prstGeom prst="rect">
+            <a:avLst/>
+          </a:prstGeom>
+        </p:spPr>
+        <p:txBody>
+          <a:bodyPr lIns="91425" tIns="91425" rIns="91425" bIns="91425" anchor="t" anchorCtr="0">
+            <a:spAutoFit/>
+          </a:bodyPr>
+          <a:lstStyle/>
+          <a:p>
+            <a:pPr algn="ctr">
+              <a:buNone/>
+            </a:pPr>
+            <a:r>
+              <a:rPr lang="en-US" sz="4400" b="1" dirty="0" smtClean="0">
+                <a:latin typeface="Arial"/>
+                <a:cs typeface="Arial"/>
+              </a:rPr>
+              <a:t>Results</a:t>
+            </a:r>
+            <a:endParaRPr lang="en" sz="4400" b="1" dirty="0">
+              <a:latin typeface="Arial"/>
+              <a:cs typeface="Arial"/>
+            </a:endParaRPr>
+          </a:p>
+        </p:txBody>
+      </p:sp>
+    </p:spTree>
+  </p:cSld>
+  <p:clrMapOvr>
+    <a:masterClrMapping/>
+  </p:clrMapOvr>
+  <p:transition xmlns:p14="http://schemas.microsoft.com/office/powerpoint/2010/main" spd="slow">
+    <p:cut/>
+  </p:transition>
+  <p:timing>
+    <p:tnLst>
+      <p:par>
+        <p:cTn xmlns:p14="http://schemas.microsoft.com/office/powerpoint/2010/main" id="1" dur="indefinite" restart="never" nodeType="tmRoot"/>
+      </p:par>
+    </p:tnLst>
+  </p:timing>
+</p:sld>
+</file>
+
+<file path=ppt/slides/slide13.xml><?xml version="1.0" encoding="utf-8"?>
 <p:sld xmlns:a="http://schemas.openxmlformats.org/drawingml/2006/main" xmlns:r="http://schemas.openxmlformats.org/officeDocument/2006/relationships" xmlns:p="http://schemas.openxmlformats.org/presentationml/2006/main">
   <p:cSld>
     <p:spTree>
@@ -10771,11 +10869,19 @@
             </a:r>
             <a:r>
               <a:rPr lang="en" sz="2200" dirty="0" smtClean="0"/>
-              <a:t>Mean </a:t>
+              <a:t>Mean Error</a:t>
+            </a:r>
+            <a:r>
+              <a:rPr lang="en-US" sz="2200" dirty="0" smtClean="0"/>
+              <a:t> Distance</a:t>
+            </a:r>
+            <a:r>
+              <a:rPr lang="en" sz="2200" dirty="0" smtClean="0"/>
+              <a:t>, Precision, </a:t>
             </a:r>
             <a:r>
               <a:rPr lang="en" sz="2200" dirty="0"/>
-              <a:t>Error, Precision @ k, Recall @ </a:t>
+              <a:t>Recall @ </a:t>
             </a:r>
             <a:r>
               <a:rPr lang="en" sz="2200" dirty="0" smtClean="0"/>
@@ -10793,92 +10899,13 @@
   <p:transition xmlns:p14="http://schemas.microsoft.com/office/powerpoint/2010/main" spd="slow">
     <p:cut/>
   </p:transition>
-</p:sld>
-</file>
-
-<file path=ppt/slides/slide13.xml><?xml version="1.0" encoding="utf-8"?>
-<p:sld xmlns:a="http://schemas.openxmlformats.org/drawingml/2006/main" xmlns:r="http://schemas.openxmlformats.org/officeDocument/2006/relationships" xmlns:p="http://schemas.openxmlformats.org/presentationml/2006/main">
-  <p:cSld>
-    <p:spTree>
-      <p:nvGrpSpPr>
-        <p:cNvPr id="1" name="Shape 81"/>
-        <p:cNvGrpSpPr/>
-        <p:nvPr/>
-      </p:nvGrpSpPr>
-      <p:grpSpPr>
-        <a:xfrm>
-          <a:off x="0" y="0"/>
-          <a:ext cx="0" cy="0"/>
-          <a:chOff x="0" y="0"/>
-          <a:chExt cx="0" cy="0"/>
-        </a:xfrm>
-      </p:grpSpPr>
-      <p:sp>
-        <p:nvSpPr>
-          <p:cNvPr id="82" name="Shape 82"/>
-          <p:cNvSpPr txBox="1">
-            <a:spLocks noGrp="1"/>
-          </p:cNvSpPr>
-          <p:nvPr>
-            <p:ph type="body" idx="1"/>
-          </p:nvPr>
-        </p:nvSpPr>
-        <p:spPr>
-          <a:xfrm>
-            <a:off x="3145200" y="2669883"/>
-            <a:ext cx="2853600" cy="1769685"/>
-          </a:xfrm>
-          <a:prstGeom prst="rect">
-            <a:avLst/>
-          </a:prstGeom>
-        </p:spPr>
-        <p:txBody>
-          <a:bodyPr lIns="91425" tIns="91425" rIns="91425" bIns="91425" anchor="t" anchorCtr="0">
-            <a:spAutoFit/>
-          </a:bodyPr>
-          <a:lstStyle/>
-          <a:p>
-            <a:pPr algn="ctr">
-              <a:buNone/>
-            </a:pPr>
-            <a:r>
-              <a:rPr lang="en" sz="4400" b="1" dirty="0" smtClean="0">
-                <a:latin typeface="Arial"/>
-                <a:cs typeface="Arial"/>
-              </a:rPr>
-              <a:t>Current</a:t>
-            </a:r>
-            <a:endParaRPr lang="en-US" sz="4400" b="1" dirty="0" smtClean="0">
-              <a:latin typeface="Arial"/>
-              <a:cs typeface="Arial"/>
-            </a:endParaRPr>
-          </a:p>
-          <a:p>
-            <a:pPr algn="ctr">
-              <a:buNone/>
-            </a:pPr>
-            <a:r>
-              <a:rPr lang="en" sz="4400" b="1" dirty="0" smtClean="0">
-                <a:latin typeface="Arial"/>
-                <a:cs typeface="Arial"/>
-              </a:rPr>
-              <a:t>Status</a:t>
-            </a:r>
-            <a:endParaRPr lang="en" sz="4400" b="1" dirty="0">
-              <a:latin typeface="Arial"/>
-              <a:cs typeface="Arial"/>
-            </a:endParaRPr>
-          </a:p>
-        </p:txBody>
-      </p:sp>
-    </p:spTree>
-  </p:cSld>
-  <p:clrMapOvr>
-    <a:masterClrMapping/>
-  </p:clrMapOvr>
-  <p:transition xmlns:p14="http://schemas.microsoft.com/office/powerpoint/2010/main" spd="slow">
-    <p:cut/>
-  </p:transition>
+  <p:timing>
+    <p:tnLst>
+      <p:par>
+        <p:cTn xmlns:p14="http://schemas.microsoft.com/office/powerpoint/2010/main" id="1" dur="indefinite" restart="never" nodeType="tmRoot"/>
+      </p:par>
+    </p:tnLst>
+  </p:timing>
 </p:sld>
 </file>
 
@@ -10911,8 +10938,8 @@
         </p:nvSpPr>
         <p:spPr>
           <a:xfrm>
-            <a:off x="457200" y="679004"/>
-            <a:ext cx="8229600" cy="738633"/>
+            <a:off x="457200" y="740559"/>
+            <a:ext cx="8229600" cy="677078"/>
           </a:xfrm>
           <a:prstGeom prst="rect">
             <a:avLst/>
@@ -10924,18 +10951,11 @@
           </a:bodyPr>
           <a:lstStyle/>
           <a:p>
-            <a:pPr>
-              <a:buNone/>
-            </a:pPr>
-            <a:r>
-              <a:rPr lang="en-US" dirty="0" smtClean="0"/>
-              <a:t>Current </a:t>
-            </a:r>
-            <a:r>
-              <a:rPr lang="en" dirty="0" smtClean="0"/>
-              <a:t>Results</a:t>
-            </a:r>
-            <a:endParaRPr lang="en" dirty="0"/>
+            <a:r>
+              <a:rPr lang="en-US" sz="3200" dirty="0"/>
+              <a:t>Amount of training data vs. Accuracy</a:t>
+            </a:r>
+            <a:endParaRPr lang="en-US" sz="3200" dirty="0"/>
           </a:p>
         </p:txBody>
       </p:sp>
@@ -11246,7 +11266,7 @@
             <a:pPr algn="ctr"/>
             <a:r>
               <a:rPr lang="en-US" sz="1800" dirty="0" smtClean="0"/>
-              <a:t>Mean error = The distance between the centers of the predicted and the actual grid cell.</a:t>
+              <a:t>Mean error = Mean distance between the centroids of the predicted and the actual grid cell.</a:t>
             </a:r>
           </a:p>
           <a:p>
@@ -11270,10 +11290,141 @@
   <p:transition xmlns:p14="http://schemas.microsoft.com/office/powerpoint/2010/main" spd="slow">
     <p:cut/>
   </p:transition>
+  <p:timing>
+    <p:tnLst>
+      <p:par>
+        <p:cTn xmlns:p14="http://schemas.microsoft.com/office/powerpoint/2010/main" id="1" dur="indefinite" restart="never" nodeType="tmRoot"/>
+      </p:par>
+    </p:tnLst>
+  </p:timing>
 </p:sld>
 </file>
 
 <file path=ppt/slides/slide15.xml><?xml version="1.0" encoding="utf-8"?>
+<p:sld xmlns:a="http://schemas.openxmlformats.org/drawingml/2006/main" xmlns:r="http://schemas.openxmlformats.org/officeDocument/2006/relationships" xmlns:p="http://schemas.openxmlformats.org/presentationml/2006/main">
+  <p:cSld>
+    <p:spTree>
+      <p:nvGrpSpPr>
+        <p:cNvPr id="1" name="Shape 98"/>
+        <p:cNvGrpSpPr/>
+        <p:nvPr/>
+      </p:nvGrpSpPr>
+      <p:grpSpPr>
+        <a:xfrm>
+          <a:off x="0" y="0"/>
+          <a:ext cx="0" cy="0"/>
+          <a:chOff x="0" y="0"/>
+          <a:chExt cx="0" cy="0"/>
+        </a:xfrm>
+      </p:grpSpPr>
+      <p:sp>
+        <p:nvSpPr>
+          <p:cNvPr id="99" name="Shape 99"/>
+          <p:cNvSpPr txBox="1">
+            <a:spLocks noGrp="1"/>
+          </p:cNvSpPr>
+          <p:nvPr>
+            <p:ph type="title"/>
+          </p:nvPr>
+        </p:nvSpPr>
+        <p:spPr>
+          <a:xfrm>
+            <a:off x="457200" y="679004"/>
+            <a:ext cx="8229600" cy="738633"/>
+          </a:xfrm>
+          <a:prstGeom prst="rect">
+            <a:avLst/>
+          </a:prstGeom>
+        </p:spPr>
+        <p:txBody>
+          <a:bodyPr lIns="91425" tIns="91425" rIns="91425" bIns="91425" anchor="b" anchorCtr="0">
+            <a:spAutoFit/>
+          </a:bodyPr>
+          <a:lstStyle/>
+          <a:p>
+            <a:pPr>
+              <a:buNone/>
+            </a:pPr>
+            <a:r>
+              <a:rPr lang="en-US" dirty="0" smtClean="0"/>
+              <a:t>Recall @ k for % seed data</a:t>
+            </a:r>
+            <a:endParaRPr lang="en" dirty="0"/>
+          </a:p>
+        </p:txBody>
+      </p:sp>
+      <p:graphicFrame>
+        <p:nvGraphicFramePr>
+          <p:cNvPr id="2" name="Chart 1"/>
+          <p:cNvGraphicFramePr/>
+          <p:nvPr>
+            <p:extLst>
+              <p:ext uri="{D42A27DB-BD31-4B8C-83A1-F6EECF244321}">
+                <p14:modId xmlns:p14="http://schemas.microsoft.com/office/powerpoint/2010/main" val="2016954765"/>
+              </p:ext>
+            </p:extLst>
+          </p:nvPr>
+        </p:nvGraphicFramePr>
+        <p:xfrm>
+          <a:off x="727364" y="1696569"/>
+          <a:ext cx="8197272" cy="4105638"/>
+        </p:xfrm>
+        <a:graphic>
+          <a:graphicData uri="http://schemas.openxmlformats.org/drawingml/2006/chart">
+            <c:chart xmlns:c="http://schemas.openxmlformats.org/drawingml/2006/chart" xmlns:r="http://schemas.openxmlformats.org/officeDocument/2006/relationships" r:id="rId3"/>
+          </a:graphicData>
+        </a:graphic>
+      </p:graphicFrame>
+      <p:sp>
+        <p:nvSpPr>
+          <p:cNvPr id="3" name="TextBox 2"/>
+          <p:cNvSpPr txBox="1"/>
+          <p:nvPr/>
+        </p:nvSpPr>
+        <p:spPr>
+          <a:xfrm>
+            <a:off x="1109543" y="5963837"/>
+            <a:ext cx="6864438" cy="646331"/>
+          </a:xfrm>
+          <a:prstGeom prst="rect">
+            <a:avLst/>
+          </a:prstGeom>
+          <a:noFill/>
+        </p:spPr>
+        <p:txBody>
+          <a:bodyPr wrap="square" rtlCol="0">
+            <a:spAutoFit/>
+          </a:bodyPr>
+          <a:lstStyle/>
+          <a:p>
+            <a:pPr algn="ctr"/>
+            <a:r>
+              <a:rPr lang="en-US" sz="1800" dirty="0" smtClean="0"/>
+              <a:t>Recall @ k measures whether the correct grid cell was present in the top k predicted cells.</a:t>
+            </a:r>
+            <a:endParaRPr lang="en-US" sz="1800" dirty="0"/>
+          </a:p>
+        </p:txBody>
+      </p:sp>
+    </p:spTree>
+  </p:cSld>
+  <p:clrMapOvr>
+    <a:masterClrMapping/>
+  </p:clrMapOvr>
+  <p:transition xmlns:p14="http://schemas.microsoft.com/office/powerpoint/2010/main" spd="slow">
+    <p:cut/>
+  </p:transition>
+  <p:timing>
+    <p:tnLst>
+      <p:par>
+        <p:cTn xmlns:p14="http://schemas.microsoft.com/office/powerpoint/2010/main" id="1" dur="indefinite" restart="never" nodeType="tmRoot"/>
+      </p:par>
+    </p:tnLst>
+  </p:timing>
+</p:sld>
+</file>
+
+<file path=ppt/slides/slide16.xml><?xml version="1.0" encoding="utf-8"?>
 <p:sld xmlns:a="http://schemas.openxmlformats.org/drawingml/2006/main" xmlns:r="http://schemas.openxmlformats.org/officeDocument/2006/relationships" xmlns:p="http://schemas.openxmlformats.org/presentationml/2006/main">
   <p:cSld>
     <p:spTree>
@@ -11307,7 +11458,7 @@
           <a:p>
             <a:r>
               <a:rPr lang="en-US" dirty="0" smtClean="0"/>
-              <a:t>Comparison</a:t>
+              <a:t>Comparison with WB ‘11</a:t>
             </a:r>
             <a:endParaRPr lang="en-US" dirty="0"/>
           </a:p>
@@ -11853,8 +12004,8 @@
         </p:nvSpPr>
         <p:spPr>
           <a:xfrm>
-            <a:off x="3097301" y="5867046"/>
-            <a:ext cx="3163997" cy="400110"/>
+            <a:off x="367783" y="5751591"/>
+            <a:ext cx="8319017" cy="707886"/>
           </a:xfrm>
           <a:prstGeom prst="rect">
             <a:avLst/>
@@ -11862,7 +12013,7 @@
           <a:noFill/>
         </p:spPr>
         <p:txBody>
-          <a:bodyPr wrap="none" rtlCol="0">
+          <a:bodyPr wrap="square" rtlCol="0">
             <a:spAutoFit/>
           </a:bodyPr>
           <a:lstStyle/>
@@ -11870,7 +12021,7 @@
             <a:pPr algn="ctr"/>
             <a:r>
               <a:rPr lang="en-US" sz="2000" dirty="0" smtClean="0"/>
-              <a:t>Results reported in WB’11</a:t>
+              <a:t>*We use a larger grid size, uniform edge weights, non-optimal algorithm parameters</a:t>
             </a:r>
             <a:endParaRPr lang="en-US" sz="2000" dirty="0"/>
           </a:p>
@@ -11886,123 +12037,13 @@
   <p:clrMapOvr>
     <a:masterClrMapping/>
   </p:clrMapOvr>
-</p:sld>
-</file>
-
-<file path=ppt/slides/slide16.xml><?xml version="1.0" encoding="utf-8"?>
-<p:sld xmlns:a="http://schemas.openxmlformats.org/drawingml/2006/main" xmlns:r="http://schemas.openxmlformats.org/officeDocument/2006/relationships" xmlns:p="http://schemas.openxmlformats.org/presentationml/2006/main">
-  <p:cSld>
-    <p:spTree>
-      <p:nvGrpSpPr>
-        <p:cNvPr id="1" name="Shape 98"/>
-        <p:cNvGrpSpPr/>
-        <p:nvPr/>
-      </p:nvGrpSpPr>
-      <p:grpSpPr>
-        <a:xfrm>
-          <a:off x="0" y="0"/>
-          <a:ext cx="0" cy="0"/>
-          <a:chOff x="0" y="0"/>
-          <a:chExt cx="0" cy="0"/>
-        </a:xfrm>
-      </p:grpSpPr>
-      <p:sp>
-        <p:nvSpPr>
-          <p:cNvPr id="99" name="Shape 99"/>
-          <p:cNvSpPr txBox="1">
-            <a:spLocks noGrp="1"/>
-          </p:cNvSpPr>
-          <p:nvPr>
-            <p:ph type="title"/>
-          </p:nvPr>
-        </p:nvSpPr>
-        <p:spPr>
-          <a:xfrm>
-            <a:off x="457200" y="679004"/>
-            <a:ext cx="8229600" cy="738633"/>
-          </a:xfrm>
-          <a:prstGeom prst="rect">
-            <a:avLst/>
-          </a:prstGeom>
-        </p:spPr>
-        <p:txBody>
-          <a:bodyPr lIns="91425" tIns="91425" rIns="91425" bIns="91425" anchor="b" anchorCtr="0">
-            <a:spAutoFit/>
-          </a:bodyPr>
-          <a:lstStyle/>
-          <a:p>
-            <a:pPr>
-              <a:buNone/>
-            </a:pPr>
-            <a:r>
-              <a:rPr lang="en-US" dirty="0" smtClean="0"/>
-              <a:t>Recall @ k for % seed data</a:t>
-            </a:r>
-            <a:endParaRPr lang="en" dirty="0"/>
-          </a:p>
-        </p:txBody>
-      </p:sp>
-      <p:graphicFrame>
-        <p:nvGraphicFramePr>
-          <p:cNvPr id="2" name="Chart 1"/>
-          <p:cNvGraphicFramePr/>
-          <p:nvPr>
-            <p:extLst>
-              <p:ext uri="{D42A27DB-BD31-4B8C-83A1-F6EECF244321}">
-                <p14:modId xmlns:p14="http://schemas.microsoft.com/office/powerpoint/2010/main" val="2016954765"/>
-              </p:ext>
-            </p:extLst>
-          </p:nvPr>
-        </p:nvGraphicFramePr>
-        <p:xfrm>
-          <a:off x="727364" y="1696569"/>
-          <a:ext cx="8197272" cy="4105638"/>
-        </p:xfrm>
-        <a:graphic>
-          <a:graphicData uri="http://schemas.openxmlformats.org/drawingml/2006/chart">
-            <c:chart xmlns:c="http://schemas.openxmlformats.org/drawingml/2006/chart" xmlns:r="http://schemas.openxmlformats.org/officeDocument/2006/relationships" r:id="rId3"/>
-          </a:graphicData>
-        </a:graphic>
-      </p:graphicFrame>
-      <p:sp>
-        <p:nvSpPr>
-          <p:cNvPr id="3" name="TextBox 2"/>
-          <p:cNvSpPr txBox="1"/>
-          <p:nvPr/>
-        </p:nvSpPr>
-        <p:spPr>
-          <a:xfrm>
-            <a:off x="1109543" y="5963837"/>
-            <a:ext cx="6864438" cy="646331"/>
-          </a:xfrm>
-          <a:prstGeom prst="rect">
-            <a:avLst/>
-          </a:prstGeom>
-          <a:noFill/>
-        </p:spPr>
-        <p:txBody>
-          <a:bodyPr wrap="square" rtlCol="0">
-            <a:spAutoFit/>
-          </a:bodyPr>
-          <a:lstStyle/>
-          <a:p>
-            <a:pPr algn="ctr"/>
-            <a:r>
-              <a:rPr lang="en-US" sz="1800" dirty="0" smtClean="0"/>
-              <a:t>Recall @ k measures whether the correct grid cell was present in the top k predicted cells.</a:t>
-            </a:r>
-            <a:endParaRPr lang="en-US" sz="1800" dirty="0"/>
-          </a:p>
-        </p:txBody>
-      </p:sp>
-    </p:spTree>
-  </p:cSld>
-  <p:clrMapOvr>
-    <a:masterClrMapping/>
-  </p:clrMapOvr>
-  <p:transition xmlns:p14="http://schemas.microsoft.com/office/powerpoint/2010/main" spd="slow">
-    <p:cut/>
-  </p:transition>
+  <p:timing>
+    <p:tnLst>
+      <p:par>
+        <p:cTn xmlns:p14="http://schemas.microsoft.com/office/powerpoint/2010/main" id="1" dur="indefinite" restart="never" nodeType="tmRoot"/>
+      </p:par>
+    </p:tnLst>
+  </p:timing>
 </p:sld>
 </file>
 
@@ -12415,6 +12456,13 @@
   <p:transition xmlns:p14="http://schemas.microsoft.com/office/powerpoint/2010/main" spd="slow">
     <p:cut/>
   </p:transition>
+  <p:timing>
+    <p:tnLst>
+      <p:par>
+        <p:cTn xmlns:p14="http://schemas.microsoft.com/office/powerpoint/2010/main" id="1" dur="indefinite" restart="never" nodeType="tmRoot"/>
+      </p:par>
+    </p:tnLst>
+  </p:timing>
 </p:sld>
 </file>
 
@@ -12640,6 +12688,13 @@
   <p:transition xmlns:p14="http://schemas.microsoft.com/office/powerpoint/2010/main" spd="slow">
     <p:cut/>
   </p:transition>
+  <p:timing>
+    <p:tnLst>
+      <p:par>
+        <p:cTn xmlns:p14="http://schemas.microsoft.com/office/powerpoint/2010/main" id="1" dur="indefinite" restart="never" nodeType="tmRoot"/>
+      </p:par>
+    </p:tnLst>
+  </p:timing>
 </p:sld>
 </file>
 
@@ -12918,6 +12973,13 @@
   <p:transition xmlns:p14="http://schemas.microsoft.com/office/powerpoint/2010/main" spd="slow">
     <p:cut/>
   </p:transition>
+  <p:timing>
+    <p:tnLst>
+      <p:par>
+        <p:cTn xmlns:p14="http://schemas.microsoft.com/office/powerpoint/2010/main" id="1" dur="indefinite" restart="never" nodeType="tmRoot"/>
+      </p:par>
+    </p:tnLst>
+  </p:timing>
 </p:sld>
 </file>
 
@@ -13085,6 +13147,13 @@
   <p:transition xmlns:p14="http://schemas.microsoft.com/office/powerpoint/2010/main" spd="slow">
     <p:cut/>
   </p:transition>
+  <p:timing>
+    <p:tnLst>
+      <p:par>
+        <p:cTn xmlns:p14="http://schemas.microsoft.com/office/powerpoint/2010/main" id="1" dur="indefinite" restart="never" nodeType="tmRoot"/>
+      </p:par>
+    </p:tnLst>
+  </p:timing>
 </p:sld>
 </file>
 
@@ -13156,12 +13225,16 @@
           </p:nvPr>
         </p:nvSpPr>
         <p:spPr>
+          <a:xfrm>
+            <a:off x="457200" y="1600200"/>
+            <a:ext cx="7947891" cy="3913349"/>
+          </a:xfrm>
           <a:prstGeom prst="rect">
             <a:avLst/>
           </a:prstGeom>
         </p:spPr>
         <p:txBody>
-          <a:bodyPr lIns="91425" tIns="91425" rIns="91425" bIns="91425" anchor="t" anchorCtr="0">
+          <a:bodyPr wrap="square" lIns="91425" tIns="91425" rIns="91425" bIns="91425" anchor="t" anchorCtr="0">
             <a:spAutoFit/>
           </a:bodyPr>
           <a:lstStyle/>
@@ -13178,7 +13251,7 @@
               <a:buChar char="•"/>
             </a:pPr>
             <a:r>
-              <a:rPr lang="en"/>
+              <a:rPr lang="en" dirty="0"/>
               <a:t>Wikipedia articles link to each other</a:t>
             </a:r>
           </a:p>
@@ -13195,7 +13268,7 @@
               <a:buChar char="•"/>
             </a:pPr>
             <a:r>
-              <a:rPr lang="en"/>
+              <a:rPr lang="en" dirty="0"/>
               <a:t>Our Hypothesis: </a:t>
             </a:r>
           </a:p>
@@ -13212,7 +13285,7 @@
               <a:buChar char="o"/>
             </a:pPr>
             <a:r>
-              <a:rPr lang="en"/>
+              <a:rPr lang="en" dirty="0"/>
               <a:t>Articles link to other geographically related articles.</a:t>
             </a:r>
           </a:p>
@@ -13229,7 +13302,7 @@
               <a:buChar char="o"/>
             </a:pPr>
             <a:r>
-              <a:rPr lang="en"/>
+              <a:rPr lang="en" dirty="0"/>
               <a:t>Article text associated with more than single location</a:t>
             </a:r>
           </a:p>
@@ -13246,7 +13319,7 @@
               <a:buChar char="o"/>
             </a:pPr>
             <a:r>
-              <a:rPr lang="en"/>
+              <a:rPr lang="en" dirty="0"/>
               <a:t>Non-geotagged articles can contribute to language models for grid cells.</a:t>
             </a:r>
           </a:p>
@@ -13263,7 +13336,7 @@
               <a:buChar char="•"/>
             </a:pPr>
             <a:r>
-              <a:rPr lang="en"/>
+              <a:rPr lang="en" dirty="0"/>
               <a:t>Goal: Augment/smooth language models for grid cells used in textgrounder with language models of related grid cells.</a:t>
             </a:r>
           </a:p>
@@ -13277,6 +13350,13 @@
   <p:transition xmlns:p14="http://schemas.microsoft.com/office/powerpoint/2010/main" spd="slow">
     <p:cut/>
   </p:transition>
+  <p:timing>
+    <p:tnLst>
+      <p:par>
+        <p:cTn xmlns:p14="http://schemas.microsoft.com/office/powerpoint/2010/main" id="1" dur="indefinite" restart="never" nodeType="tmRoot"/>
+      </p:par>
+    </p:tnLst>
+  </p:timing>
 </p:sld>
 </file>
 
@@ -13340,6 +13420,13 @@
   <p:transition xmlns:p14="http://schemas.microsoft.com/office/powerpoint/2010/main" spd="slow">
     <p:cut/>
   </p:transition>
+  <p:timing>
+    <p:tnLst>
+      <p:par>
+        <p:cTn xmlns:p14="http://schemas.microsoft.com/office/powerpoint/2010/main" id="1" dur="indefinite" restart="never" nodeType="tmRoot"/>
+      </p:par>
+    </p:tnLst>
+  </p:timing>
 </p:sld>
 </file>
 
@@ -13597,6 +13684,13 @@
   <p:transition xmlns:p14="http://schemas.microsoft.com/office/powerpoint/2010/main" spd="slow">
     <p:cut/>
   </p:transition>
+  <p:timing>
+    <p:tnLst>
+      <p:par>
+        <p:cTn xmlns:p14="http://schemas.microsoft.com/office/powerpoint/2010/main" id="1" dur="indefinite" restart="never" nodeType="tmRoot"/>
+      </p:par>
+    </p:tnLst>
+  </p:timing>
 </p:sld>
 </file>
 
@@ -13689,8 +13783,12 @@
               <a:t>Iterative, </a:t>
             </a:r>
             <a:r>
+              <a:rPr lang="en-US" sz="2400" dirty="0" smtClean="0"/>
+              <a:t>graph </a:t>
+            </a:r>
+            <a:r>
               <a:rPr lang="en-US" sz="2400" dirty="0"/>
-              <a:t>Graph based </a:t>
+              <a:t>based </a:t>
             </a:r>
             <a:r>
               <a:rPr lang="en" sz="2400" dirty="0"/>
@@ -13759,6 +13857,13 @@
   <p:transition xmlns:p14="http://schemas.microsoft.com/office/powerpoint/2010/main" spd="slow">
     <p:cut/>
   </p:transition>
+  <p:timing>
+    <p:tnLst>
+      <p:par>
+        <p:cTn xmlns:p14="http://schemas.microsoft.com/office/powerpoint/2010/main" id="1" dur="indefinite" restart="never" nodeType="tmRoot"/>
+      </p:par>
+    </p:tnLst>
+  </p:timing>
 </p:sld>
 </file>
 
